--- a/Files/Chapter1/Class1/第一章_第一讲_了解 RISC-V.pptx
+++ b/Files/Chapter1/Class1/第一章_第一讲_了解 RISC-V.pptx
@@ -5,10 +5,10 @@
     <p:sldMasterId id="2147483649" r:id="rId1"/>
   </p:sldMasterIdLst>
   <p:notesMasterIdLst>
-    <p:notesMasterId r:id="rId27"/>
+    <p:notesMasterId r:id="rId29"/>
   </p:notesMasterIdLst>
   <p:handoutMasterIdLst>
-    <p:handoutMasterId r:id="rId28"/>
+    <p:handoutMasterId r:id="rId30"/>
   </p:handoutMasterIdLst>
   <p:sldIdLst>
     <p:sldId id="256" r:id="rId2"/>
@@ -24,18 +24,20 @@
     <p:sldId id="310" r:id="rId12"/>
     <p:sldId id="260" r:id="rId13"/>
     <p:sldId id="308" r:id="rId14"/>
-    <p:sldId id="265" r:id="rId15"/>
-    <p:sldId id="315" r:id="rId16"/>
-    <p:sldId id="316" r:id="rId17"/>
-    <p:sldId id="317" r:id="rId18"/>
-    <p:sldId id="318" r:id="rId19"/>
-    <p:sldId id="319" r:id="rId20"/>
-    <p:sldId id="320" r:id="rId21"/>
-    <p:sldId id="321" r:id="rId22"/>
-    <p:sldId id="309" r:id="rId23"/>
-    <p:sldId id="311" r:id="rId24"/>
-    <p:sldId id="313" r:id="rId25"/>
-    <p:sldId id="312" r:id="rId26"/>
+    <p:sldId id="323" r:id="rId15"/>
+    <p:sldId id="265" r:id="rId16"/>
+    <p:sldId id="315" r:id="rId17"/>
+    <p:sldId id="316" r:id="rId18"/>
+    <p:sldId id="317" r:id="rId19"/>
+    <p:sldId id="318" r:id="rId20"/>
+    <p:sldId id="319" r:id="rId21"/>
+    <p:sldId id="320" r:id="rId22"/>
+    <p:sldId id="321" r:id="rId23"/>
+    <p:sldId id="322" r:id="rId24"/>
+    <p:sldId id="309" r:id="rId25"/>
+    <p:sldId id="311" r:id="rId26"/>
+    <p:sldId id="313" r:id="rId27"/>
+    <p:sldId id="312" r:id="rId28"/>
   </p:sldIdLst>
   <p:sldSz cx="9906000" cy="6858000" type="A4"/>
   <p:notesSz cx="6797675" cy="9928225"/>
@@ -1333,7 +1335,7 @@
               <a:pPr>
                 <a:defRPr/>
               </a:pPr>
-              <a:t>14</a:t>
+              <a:t>15</a:t>
             </a:fld>
             <a:endParaRPr lang="en-US" altLang="zh-CN"/>
           </a:p>
@@ -1453,7 +1455,7 @@
               <a:pPr>
                 <a:defRPr/>
               </a:pPr>
-              <a:t>15</a:t>
+              <a:t>16</a:t>
             </a:fld>
             <a:endParaRPr lang="en-US" altLang="zh-CN"/>
           </a:p>
@@ -1547,7 +1549,7 @@
               <a:pPr>
                 <a:defRPr/>
               </a:pPr>
-              <a:t>22</a:t>
+              <a:t>24</a:t>
             </a:fld>
             <a:endParaRPr lang="en-US" altLang="zh-CN"/>
           </a:p>
@@ -8571,6 +8573,175 @@
       </p:grpSpPr>
       <p:sp>
         <p:nvSpPr>
+          <p:cNvPr id="2" name="标题 1">
+            <a:extLst>
+              <a:ext uri="{FF2B5EF4-FFF2-40B4-BE49-F238E27FC236}">
+                <a16:creationId xmlns:a16="http://schemas.microsoft.com/office/drawing/2014/main" id="{EB54016E-53BF-9487-E6C5-BB800CCBD5BF}"/>
+              </a:ext>
+            </a:extLst>
+          </p:cNvPr>
+          <p:cNvSpPr>
+            <a:spLocks noGrp="1"/>
+          </p:cNvSpPr>
+          <p:nvPr>
+            <p:ph type="title"/>
+          </p:nvPr>
+        </p:nvSpPr>
+        <p:spPr/>
+        <p:txBody>
+          <a:bodyPr/>
+          <a:lstStyle/>
+          <a:p>
+            <a:pPr algn="ctr"/>
+            <a:r>
+              <a:rPr lang="en-US" altLang="zh-CN" dirty="0"/>
+              <a:t>RISC-V</a:t>
+            </a:r>
+            <a:r>
+              <a:rPr lang="zh-CN" altLang="en-US" dirty="0"/>
+              <a:t>的特点</a:t>
+            </a:r>
+            <a:endParaRPr lang="en-US" dirty="0"/>
+          </a:p>
+        </p:txBody>
+      </p:sp>
+      <p:sp>
+        <p:nvSpPr>
+          <p:cNvPr id="3" name="内容占位符 2">
+            <a:extLst>
+              <a:ext uri="{FF2B5EF4-FFF2-40B4-BE49-F238E27FC236}">
+                <a16:creationId xmlns:a16="http://schemas.microsoft.com/office/drawing/2014/main" id="{7F4C5DB2-75B1-48B8-B33B-62D54F4E1D36}"/>
+              </a:ext>
+            </a:extLst>
+          </p:cNvPr>
+          <p:cNvSpPr>
+            <a:spLocks noGrp="1"/>
+          </p:cNvSpPr>
+          <p:nvPr>
+            <p:ph idx="1"/>
+          </p:nvPr>
+        </p:nvSpPr>
+        <p:spPr/>
+        <p:txBody>
+          <a:bodyPr/>
+          <a:lstStyle/>
+          <a:p>
+            <a:r>
+              <a:rPr lang="zh-CN" altLang="en-US" dirty="0"/>
+              <a:t>简单</a:t>
+            </a:r>
+            <a:endParaRPr lang="en-US" altLang="zh-CN" dirty="0"/>
+          </a:p>
+          <a:p>
+            <a:endParaRPr lang="en-US" dirty="0"/>
+          </a:p>
+          <a:p>
+            <a:r>
+              <a:rPr lang="zh-CN" altLang="en-US" dirty="0"/>
+              <a:t>清晰的分层设计</a:t>
+            </a:r>
+            <a:endParaRPr lang="en-US" altLang="zh-CN" dirty="0"/>
+          </a:p>
+          <a:p>
+            <a:endParaRPr lang="en-US" altLang="zh-CN" dirty="0"/>
+          </a:p>
+          <a:p>
+            <a:r>
+              <a:rPr lang="zh-CN" altLang="en-US" dirty="0"/>
+              <a:t>模块化</a:t>
+            </a:r>
+            <a:endParaRPr lang="en-US" altLang="zh-CN" dirty="0"/>
+          </a:p>
+          <a:p>
+            <a:endParaRPr lang="en-US" altLang="zh-CN" dirty="0"/>
+          </a:p>
+          <a:p>
+            <a:r>
+              <a:rPr lang="zh-CN" altLang="en-US" dirty="0"/>
+              <a:t>稳定</a:t>
+            </a:r>
+            <a:endParaRPr lang="en-US" altLang="zh-CN" dirty="0"/>
+          </a:p>
+          <a:p>
+            <a:endParaRPr lang="en-US" altLang="zh-CN" dirty="0"/>
+          </a:p>
+          <a:p>
+            <a:r>
+              <a:rPr lang="zh-CN" altLang="en-US" dirty="0"/>
+              <a:t>社区化</a:t>
+            </a:r>
+            <a:endParaRPr lang="en-US" altLang="zh-CN" dirty="0"/>
+          </a:p>
+        </p:txBody>
+      </p:sp>
+      <p:sp>
+        <p:nvSpPr>
+          <p:cNvPr id="4" name="灯片编号占位符 3">
+            <a:extLst>
+              <a:ext uri="{FF2B5EF4-FFF2-40B4-BE49-F238E27FC236}">
+                <a16:creationId xmlns:a16="http://schemas.microsoft.com/office/drawing/2014/main" id="{6CAADAEC-773F-DA19-F666-885BD3D8FB2F}"/>
+              </a:ext>
+            </a:extLst>
+          </p:cNvPr>
+          <p:cNvSpPr>
+            <a:spLocks noGrp="1"/>
+          </p:cNvSpPr>
+          <p:nvPr>
+            <p:ph type="sldNum" sz="quarter" idx="12"/>
+          </p:nvPr>
+        </p:nvSpPr>
+        <p:spPr/>
+        <p:txBody>
+          <a:bodyPr/>
+          <a:lstStyle/>
+          <a:p>
+            <a:pPr>
+              <a:defRPr/>
+            </a:pPr>
+            <a:fld id="{581DD3E0-5F7C-46B2-AE3F-E81668104769}" type="slidenum">
+              <a:rPr lang="en-US" altLang="zh-CN" smtClean="0"/>
+              <a:pPr>
+                <a:defRPr/>
+              </a:pPr>
+              <a:t>14</a:t>
+            </a:fld>
+            <a:endParaRPr lang="en-US" altLang="zh-CN"/>
+          </a:p>
+        </p:txBody>
+      </p:sp>
+    </p:spTree>
+    <p:extLst>
+      <p:ext uri="{BB962C8B-B14F-4D97-AF65-F5344CB8AC3E}">
+        <p14:creationId xmlns:p14="http://schemas.microsoft.com/office/powerpoint/2010/main" val="1706814637"/>
+      </p:ext>
+    </p:extLst>
+  </p:cSld>
+  <p:clrMapOvr>
+    <a:masterClrMapping/>
+  </p:clrMapOvr>
+  <p:transition/>
+</p:sld>
+</file>
+
+<file path=ppt/slides/slide15.xml><?xml version="1.0" encoding="utf-8"?>
+<p:sld xmlns:a="http://schemas.openxmlformats.org/drawingml/2006/main" xmlns:r="http://schemas.openxmlformats.org/officeDocument/2006/relationships" xmlns:p="http://schemas.openxmlformats.org/presentationml/2006/main">
+  <p:cSld>
+    <p:spTree>
+      <p:nvGrpSpPr>
+        <p:cNvPr id="1" name=""/>
+        <p:cNvGrpSpPr/>
+        <p:nvPr/>
+      </p:nvGrpSpPr>
+      <p:grpSpPr>
+        <a:xfrm>
+          <a:off x="0" y="0"/>
+          <a:ext cx="0" cy="0"/>
+          <a:chOff x="0" y="0"/>
+          <a:chExt cx="0" cy="0"/>
+        </a:xfrm>
+      </p:grpSpPr>
+      <p:sp>
+        <p:nvSpPr>
           <p:cNvPr id="6" name="Rectangle 2">
             <a:extLst>
               <a:ext uri="{FF2B5EF4-FFF2-40B4-BE49-F238E27FC236}">
@@ -8828,7 +8999,7 @@
               <a:pPr>
                 <a:defRPr/>
               </a:pPr>
-              <a:t>14</a:t>
+              <a:t>15</a:t>
             </a:fld>
             <a:endParaRPr lang="en-US" altLang="zh-CN"/>
           </a:p>
@@ -9128,7 +9299,7 @@
 </p:sld>
 </file>
 
-<file path=ppt/slides/slide15.xml><?xml version="1.0" encoding="utf-8"?>
+<file path=ppt/slides/slide16.xml><?xml version="1.0" encoding="utf-8"?>
 <p:sld xmlns:a="http://schemas.openxmlformats.org/drawingml/2006/main" xmlns:r="http://schemas.openxmlformats.org/officeDocument/2006/relationships" xmlns:p="http://schemas.openxmlformats.org/presentationml/2006/main">
   <p:cSld>
     <p:spTree>
@@ -9400,7 +9571,7 @@
               <a:pPr>
                 <a:defRPr/>
               </a:pPr>
-              <a:t>15</a:t>
+              <a:t>16</a:t>
             </a:fld>
             <a:endParaRPr lang="en-US" altLang="zh-CN"/>
           </a:p>
@@ -9740,243 +9911,6 @@
 </p:sld>
 </file>
 
-<file path=ppt/slides/slide16.xml><?xml version="1.0" encoding="utf-8"?>
-<p:sld xmlns:a="http://schemas.openxmlformats.org/drawingml/2006/main" xmlns:r="http://schemas.openxmlformats.org/officeDocument/2006/relationships" xmlns:p="http://schemas.openxmlformats.org/presentationml/2006/main">
-  <p:cSld>
-    <p:spTree>
-      <p:nvGrpSpPr>
-        <p:cNvPr id="1" name=""/>
-        <p:cNvGrpSpPr/>
-        <p:nvPr/>
-      </p:nvGrpSpPr>
-      <p:grpSpPr>
-        <a:xfrm>
-          <a:off x="0" y="0"/>
-          <a:ext cx="0" cy="0"/>
-          <a:chOff x="0" y="0"/>
-          <a:chExt cx="0" cy="0"/>
-        </a:xfrm>
-      </p:grpSpPr>
-      <p:sp>
-        <p:nvSpPr>
-          <p:cNvPr id="2" name="标题 1">
-            <a:extLst>
-              <a:ext uri="{FF2B5EF4-FFF2-40B4-BE49-F238E27FC236}">
-                <a16:creationId xmlns:a16="http://schemas.microsoft.com/office/drawing/2014/main" id="{8AE932E6-6202-5C92-D016-14CA440CC995}"/>
-              </a:ext>
-            </a:extLst>
-          </p:cNvPr>
-          <p:cNvSpPr>
-            <a:spLocks noGrp="1"/>
-          </p:cNvSpPr>
-          <p:nvPr>
-            <p:ph type="title"/>
-          </p:nvPr>
-        </p:nvSpPr>
-        <p:spPr/>
-        <p:txBody>
-          <a:bodyPr/>
-          <a:lstStyle/>
-          <a:p>
-            <a:pPr algn="ctr"/>
-            <a:r>
-              <a:rPr lang="en-US" altLang="zh-CN" dirty="0"/>
-              <a:t>RISC-V</a:t>
-            </a:r>
-            <a:r>
-              <a:rPr lang="zh-CN" altLang="en-US" dirty="0"/>
-              <a:t>对比主要竞争对手的特点</a:t>
-            </a:r>
-            <a:endParaRPr lang="en-US" dirty="0"/>
-          </a:p>
-        </p:txBody>
-      </p:sp>
-      <p:sp>
-        <p:nvSpPr>
-          <p:cNvPr id="3" name="内容占位符 2">
-            <a:extLst>
-              <a:ext uri="{FF2B5EF4-FFF2-40B4-BE49-F238E27FC236}">
-                <a16:creationId xmlns:a16="http://schemas.microsoft.com/office/drawing/2014/main" id="{DEBE4CA3-1CF7-4C23-EC97-B38FA71D1F7F}"/>
-              </a:ext>
-            </a:extLst>
-          </p:cNvPr>
-          <p:cNvSpPr>
-            <a:spLocks noGrp="1"/>
-          </p:cNvSpPr>
-          <p:nvPr>
-            <p:ph idx="1"/>
-          </p:nvPr>
-        </p:nvSpPr>
-        <p:spPr/>
-        <p:txBody>
-          <a:bodyPr/>
-          <a:lstStyle/>
-          <a:p>
-            <a:r>
-              <a:rPr lang="zh-CN" altLang="en-US" sz="1800" dirty="0"/>
-              <a:t>成本：</a:t>
-            </a:r>
-            <a:r>
-              <a:rPr lang="en-US" altLang="zh-CN" sz="1800" dirty="0"/>
-              <a:t>Arm </a:t>
-            </a:r>
-            <a:r>
-              <a:rPr lang="zh-CN" altLang="en-US" sz="1800" dirty="0"/>
-              <a:t>认为，虽然 </a:t>
-            </a:r>
-            <a:r>
-              <a:rPr lang="en-US" altLang="zh-CN" sz="1800" dirty="0"/>
-              <a:t>RISC-V </a:t>
-            </a:r>
-            <a:r>
-              <a:rPr lang="zh-CN" altLang="en-US" sz="1800" dirty="0"/>
-              <a:t>核心指令集是免费的，但从设计工具、周边 </a:t>
-            </a:r>
-            <a:r>
-              <a:rPr lang="en-US" altLang="zh-CN" sz="1800" dirty="0"/>
-              <a:t>IP </a:t>
-            </a:r>
-            <a:r>
-              <a:rPr lang="zh-CN" altLang="en-US" sz="1800" dirty="0"/>
-              <a:t>到制造服务等，没有一项是免费的，</a:t>
-            </a:r>
-            <a:r>
-              <a:rPr lang="en-US" altLang="zh-CN" sz="1800" dirty="0"/>
-              <a:t>ISA </a:t>
-            </a:r>
-            <a:r>
-              <a:rPr lang="zh-CN" altLang="en-US" sz="1800" dirty="0"/>
-              <a:t>部分的成本其实影响不大。</a:t>
-            </a:r>
-          </a:p>
-          <a:p>
-            <a:endParaRPr lang="zh-CN" altLang="en-US" sz="1800" dirty="0"/>
-          </a:p>
-          <a:p>
-            <a:r>
-              <a:rPr lang="zh-CN" altLang="en-US" sz="1800" dirty="0"/>
-              <a:t>生态：作为新架构，</a:t>
-            </a:r>
-            <a:r>
-              <a:rPr lang="en-US" altLang="zh-CN" sz="1800" dirty="0"/>
-              <a:t>RISC-V </a:t>
-            </a:r>
-            <a:r>
-              <a:rPr lang="zh-CN" altLang="en-US" sz="1800" dirty="0"/>
-              <a:t>不仅缺乏市场验证，也没有足够的软硬件设计支持工具。</a:t>
-            </a:r>
-          </a:p>
-          <a:p>
-            <a:endParaRPr lang="zh-CN" altLang="en-US" sz="1800" dirty="0"/>
-          </a:p>
-          <a:p>
-            <a:r>
-              <a:rPr lang="zh-CN" altLang="en-US" sz="1800" dirty="0"/>
-              <a:t>碎片化：</a:t>
-            </a:r>
-            <a:r>
-              <a:rPr lang="en-US" altLang="zh-CN" sz="1800" dirty="0"/>
-              <a:t>RISC-V </a:t>
-            </a:r>
-            <a:r>
-              <a:rPr lang="zh-CN" altLang="en-US" sz="1800" dirty="0"/>
-              <a:t>容许设计者增加自有的指令集扩展，这将导致软件可能必须针对不同的扩展进行支持工作，越多开发者支持，就越可能加剧这种状况，而这就是碎片化。</a:t>
-            </a:r>
-          </a:p>
-          <a:p>
-            <a:endParaRPr lang="zh-CN" altLang="en-US" sz="1800" dirty="0"/>
-          </a:p>
-          <a:p>
-            <a:r>
-              <a:rPr lang="zh-CN" altLang="en-US" sz="1800" dirty="0"/>
-              <a:t>安全性：包含 </a:t>
-            </a:r>
-            <a:r>
-              <a:rPr lang="en-US" altLang="zh-CN" sz="1800" dirty="0"/>
-              <a:t>Arm </a:t>
-            </a:r>
-            <a:r>
-              <a:rPr lang="zh-CN" altLang="en-US" sz="1800" dirty="0"/>
-              <a:t>在内的主流处理器架构在前些时间都遭遇了设计上的漏洞等安全性问题，而作为新创的架构，</a:t>
-            </a:r>
-            <a:r>
-              <a:rPr lang="en-US" altLang="zh-CN" sz="1800" dirty="0"/>
-              <a:t>RISC-V </a:t>
-            </a:r>
-            <a:r>
-              <a:rPr lang="zh-CN" altLang="en-US" sz="1800" dirty="0"/>
-              <a:t>在应对这方面的风险时，可能就无法有效处理。</a:t>
-            </a:r>
-          </a:p>
-          <a:p>
-            <a:endParaRPr lang="zh-CN" altLang="en-US" sz="1800" dirty="0"/>
-          </a:p>
-          <a:p>
-            <a:r>
-              <a:rPr lang="zh-CN" altLang="en-US" sz="1800" dirty="0"/>
-              <a:t>设计验证：一般处理器在设计时都必须针对所有指令集进行庞大的验证工作，确保执行不会出错，但作为可以让开发者自行更动指令集的架构，</a:t>
-            </a:r>
-            <a:r>
-              <a:rPr lang="en-US" altLang="zh-CN" sz="1800" dirty="0"/>
-              <a:t>RISC-V </a:t>
-            </a:r>
-            <a:r>
-              <a:rPr lang="zh-CN" altLang="en-US" sz="1800" dirty="0"/>
-              <a:t>可能带给芯片设计公司伴随着设计弹性而来的更大风险。</a:t>
-            </a:r>
-            <a:endParaRPr lang="en-US" sz="1800" dirty="0"/>
-          </a:p>
-        </p:txBody>
-      </p:sp>
-      <p:sp>
-        <p:nvSpPr>
-          <p:cNvPr id="4" name="灯片编号占位符 3">
-            <a:extLst>
-              <a:ext uri="{FF2B5EF4-FFF2-40B4-BE49-F238E27FC236}">
-                <a16:creationId xmlns:a16="http://schemas.microsoft.com/office/drawing/2014/main" id="{DF24BC67-D83A-91D6-85EA-71154C98E00E}"/>
-              </a:ext>
-            </a:extLst>
-          </p:cNvPr>
-          <p:cNvSpPr>
-            <a:spLocks noGrp="1"/>
-          </p:cNvSpPr>
-          <p:nvPr>
-            <p:ph type="sldNum" sz="quarter" idx="12"/>
-          </p:nvPr>
-        </p:nvSpPr>
-        <p:spPr/>
-        <p:txBody>
-          <a:bodyPr/>
-          <a:lstStyle/>
-          <a:p>
-            <a:pPr>
-              <a:defRPr/>
-            </a:pPr>
-            <a:fld id="{581DD3E0-5F7C-46B2-AE3F-E81668104769}" type="slidenum">
-              <a:rPr lang="en-US" altLang="zh-CN" smtClean="0"/>
-              <a:pPr>
-                <a:defRPr/>
-              </a:pPr>
-              <a:t>16</a:t>
-            </a:fld>
-            <a:endParaRPr lang="en-US" altLang="zh-CN"/>
-          </a:p>
-        </p:txBody>
-      </p:sp>
-    </p:spTree>
-    <p:extLst>
-      <p:ext uri="{BB962C8B-B14F-4D97-AF65-F5344CB8AC3E}">
-        <p14:creationId xmlns:p14="http://schemas.microsoft.com/office/powerpoint/2010/main" val="1716981157"/>
-      </p:ext>
-    </p:extLst>
-  </p:cSld>
-  <p:clrMapOvr>
-    <a:masterClrMapping/>
-  </p:clrMapOvr>
-  <p:transition/>
-</p:sld>
-</file>
-
 <file path=ppt/slides/slide17.xml><?xml version="1.0" encoding="utf-8"?>
 <p:sld xmlns:a="http://schemas.openxmlformats.org/drawingml/2006/main" xmlns:r="http://schemas.openxmlformats.org/officeDocument/2006/relationships" xmlns:p="http://schemas.openxmlformats.org/presentationml/2006/main">
   <p:cSld>
@@ -9999,7 +9933,7 @@
           <p:cNvPr id="2" name="标题 1">
             <a:extLst>
               <a:ext uri="{FF2B5EF4-FFF2-40B4-BE49-F238E27FC236}">
-                <a16:creationId xmlns:a16="http://schemas.microsoft.com/office/drawing/2014/main" id="{5F51552D-7D00-5922-8BC9-D4E55C4D6C00}"/>
+                <a16:creationId xmlns:a16="http://schemas.microsoft.com/office/drawing/2014/main" id="{8AE932E6-6202-5C92-D016-14CA440CC995}"/>
               </a:ext>
             </a:extLst>
           </p:cNvPr>
@@ -10015,7 +9949,16 @@
           <a:bodyPr/>
           <a:lstStyle/>
           <a:p>
-            <a:endParaRPr lang="en-US"/>
+            <a:pPr algn="ctr"/>
+            <a:r>
+              <a:rPr lang="en-US" altLang="zh-CN" dirty="0"/>
+              <a:t>RISC-V</a:t>
+            </a:r>
+            <a:r>
+              <a:rPr lang="zh-CN" altLang="en-US" dirty="0"/>
+              <a:t>对比主要竞争对手的特点</a:t>
+            </a:r>
+            <a:endParaRPr lang="en-US" dirty="0"/>
           </a:p>
         </p:txBody>
       </p:sp>
@@ -10024,7 +9967,7 @@
           <p:cNvPr id="3" name="内容占位符 2">
             <a:extLst>
               <a:ext uri="{FF2B5EF4-FFF2-40B4-BE49-F238E27FC236}">
-                <a16:creationId xmlns:a16="http://schemas.microsoft.com/office/drawing/2014/main" id="{4E6ECB27-297A-C1E2-9B42-B997CCBBF5AC}"/>
+                <a16:creationId xmlns:a16="http://schemas.microsoft.com/office/drawing/2014/main" id="{DEBE4CA3-1CF7-4C23-EC97-B38FA71D1F7F}"/>
               </a:ext>
             </a:extLst>
           </p:cNvPr>
@@ -10041,100 +9984,118 @@
           <a:lstStyle/>
           <a:p>
             <a:r>
-              <a:rPr lang="zh-CN" altLang="en-US" sz="2400" dirty="0"/>
+              <a:rPr lang="zh-CN" altLang="en-US" sz="1800" dirty="0"/>
               <a:t>成本：</a:t>
             </a:r>
             <a:r>
-              <a:rPr lang="en-US" altLang="zh-CN" sz="2400" dirty="0"/>
+              <a:rPr lang="en-US" altLang="zh-CN" sz="1800" dirty="0"/>
               <a:t>Arm </a:t>
             </a:r>
             <a:r>
-              <a:rPr lang="zh-CN" altLang="en-US" sz="2400" dirty="0"/>
+              <a:rPr lang="zh-CN" altLang="en-US" sz="1800" dirty="0"/>
               <a:t>认为，虽然 </a:t>
             </a:r>
             <a:r>
-              <a:rPr lang="en-US" altLang="zh-CN" sz="2400" dirty="0"/>
+              <a:rPr lang="en-US" altLang="zh-CN" sz="1800" dirty="0"/>
               <a:t>RISC-V </a:t>
             </a:r>
             <a:r>
-              <a:rPr lang="zh-CN" altLang="en-US" sz="2400" dirty="0"/>
+              <a:rPr lang="zh-CN" altLang="en-US" sz="1800" dirty="0"/>
               <a:t>核心指令集是免费的，但从设计工具、周边 </a:t>
             </a:r>
             <a:r>
-              <a:rPr lang="en-US" altLang="zh-CN" sz="2400" dirty="0"/>
+              <a:rPr lang="en-US" altLang="zh-CN" sz="1800" dirty="0"/>
               <a:t>IP </a:t>
             </a:r>
             <a:r>
-              <a:rPr lang="zh-CN" altLang="en-US" sz="2400" dirty="0"/>
+              <a:rPr lang="zh-CN" altLang="en-US" sz="1800" dirty="0"/>
               <a:t>到制造服务等，没有一项是免费的，</a:t>
             </a:r>
             <a:r>
-              <a:rPr lang="en-US" altLang="zh-CN" sz="2400" dirty="0"/>
+              <a:rPr lang="en-US" altLang="zh-CN" sz="1800" dirty="0"/>
               <a:t>ISA </a:t>
             </a:r>
             <a:r>
-              <a:rPr lang="zh-CN" altLang="en-US" sz="2400" dirty="0"/>
+              <a:rPr lang="zh-CN" altLang="en-US" sz="1800" dirty="0"/>
               <a:t>部分的成本其实影响不大。</a:t>
             </a:r>
-            <a:endParaRPr lang="en-US" altLang="zh-CN" sz="2400" dirty="0"/>
-          </a:p>
-          <a:p>
-            <a:endParaRPr lang="en-US" altLang="zh-CN" sz="2400" dirty="0"/>
-          </a:p>
-          <a:p>
-            <a:endParaRPr lang="en-US" altLang="zh-CN" sz="2400" dirty="0"/>
-          </a:p>
-          <a:p>
-            <a:r>
-              <a:rPr lang="zh-CN" altLang="en-US" sz="2400" dirty="0"/>
-              <a:t>成本：</a:t>
-            </a:r>
-            <a:r>
-              <a:rPr lang="en-US" altLang="zh-CN" sz="2400" dirty="0"/>
+          </a:p>
+          <a:p>
+            <a:endParaRPr lang="zh-CN" altLang="en-US" sz="1800" dirty="0"/>
+          </a:p>
+          <a:p>
+            <a:r>
+              <a:rPr lang="zh-CN" altLang="en-US" sz="1800" dirty="0"/>
+              <a:t>生态：作为新架构，</a:t>
+            </a:r>
+            <a:r>
+              <a:rPr lang="en-US" altLang="zh-CN" sz="1800" dirty="0"/>
               <a:t>RISC-V </a:t>
             </a:r>
             <a:r>
-              <a:rPr lang="zh-CN" altLang="en-US" sz="2400" dirty="0"/>
-              <a:t>的最大优点是架构的可定制性，相较之下，</a:t>
-            </a:r>
-            <a:r>
-              <a:rPr lang="en-US" altLang="zh-CN" sz="2400" dirty="0"/>
+              <a:rPr lang="zh-CN" altLang="en-US" sz="1800" dirty="0"/>
+              <a:t>不仅缺乏市场验证，也没有足够的软硬件设计支持工具。</a:t>
+            </a:r>
+          </a:p>
+          <a:p>
+            <a:endParaRPr lang="zh-CN" altLang="en-US" sz="1800" dirty="0"/>
+          </a:p>
+          <a:p>
+            <a:r>
+              <a:rPr lang="zh-CN" altLang="en-US" sz="1800" dirty="0"/>
+              <a:t>碎片化：</a:t>
+            </a:r>
+            <a:r>
+              <a:rPr lang="en-US" altLang="zh-CN" sz="1800" dirty="0"/>
+              <a:t>RISC-V </a:t>
+            </a:r>
+            <a:r>
+              <a:rPr lang="zh-CN" altLang="en-US" sz="1800" dirty="0"/>
+              <a:t>容许设计者增加自有的指令集扩展，这将导致软件可能必须针对不同的扩展进行支持工作，越多开发者支持，就越可能加剧这种状况，而这就是碎片化。</a:t>
+            </a:r>
+          </a:p>
+          <a:p>
+            <a:endParaRPr lang="zh-CN" altLang="en-US" sz="1800" dirty="0"/>
+          </a:p>
+          <a:p>
+            <a:r>
+              <a:rPr lang="zh-CN" altLang="en-US" sz="1800" dirty="0"/>
+              <a:t>安全性：包含 </a:t>
+            </a:r>
+            <a:r>
+              <a:rPr lang="en-US" altLang="zh-CN" sz="1800" dirty="0"/>
               <a:t>Arm </a:t>
             </a:r>
             <a:r>
-              <a:rPr lang="zh-CN" altLang="en-US" sz="2400" dirty="0"/>
-              <a:t>不允许客户在基础架构授权下自定义核心，</a:t>
-            </a:r>
-            <a:r>
-              <a:rPr lang="en-US" altLang="zh-CN" sz="2400" dirty="0"/>
-              <a:t>Arm </a:t>
-            </a:r>
-            <a:r>
-              <a:rPr lang="zh-CN" altLang="en-US" sz="2400" dirty="0"/>
-              <a:t>虽然也提供可定制的架构授权服务，但是成本非常高，甚至高过周边所有 </a:t>
-            </a:r>
-            <a:r>
-              <a:rPr lang="en-US" altLang="zh-CN" sz="2400" dirty="0"/>
-              <a:t>IP </a:t>
-            </a:r>
-            <a:r>
-              <a:rPr lang="zh-CN" altLang="en-US" sz="2400" dirty="0"/>
-              <a:t>的组合，并非如 </a:t>
-            </a:r>
-            <a:r>
-              <a:rPr lang="en-US" altLang="zh-CN" sz="2400" dirty="0"/>
-              <a:t>Arm </a:t>
-            </a:r>
-            <a:r>
-              <a:rPr lang="zh-CN" altLang="en-US" sz="2400" dirty="0"/>
-              <a:t>所言仅占处理器的一小部分。</a:t>
-            </a:r>
-          </a:p>
-          <a:p>
-            <a:endParaRPr lang="zh-CN" altLang="en-US" sz="2400" dirty="0"/>
+              <a:rPr lang="zh-CN" altLang="en-US" sz="1800" dirty="0"/>
+              <a:t>在内的主流处理器架构在前些时间都遭遇了设计上的漏洞等安全性问题，而作为新创的架构，</a:t>
+            </a:r>
+            <a:r>
+              <a:rPr lang="en-US" altLang="zh-CN" sz="1800" dirty="0"/>
+              <a:t>RISC-V </a:t>
+            </a:r>
+            <a:r>
+              <a:rPr lang="zh-CN" altLang="en-US" sz="1800" dirty="0"/>
+              <a:t>在应对这方面的风险时，可能就无法有效处理。</a:t>
+            </a:r>
           </a:p>
           <a:p>
             <a:endParaRPr lang="zh-CN" altLang="en-US" sz="1800" dirty="0"/>
+          </a:p>
+          <a:p>
+            <a:r>
+              <a:rPr lang="zh-CN" altLang="en-US" sz="1800" dirty="0"/>
+              <a:t>设计验证：一般处理器在设计时都必须针对所有指令集进行庞大的验证工作，确保执行不会出错，但作为可以让开发者自行更动指令集的架构，</a:t>
+            </a:r>
+            <a:r>
+              <a:rPr lang="en-US" altLang="zh-CN" sz="1800" dirty="0"/>
+              <a:t>RISC-V </a:t>
+            </a:r>
+            <a:r>
+              <a:rPr lang="zh-CN" altLang="en-US" sz="1800" dirty="0"/>
+              <a:t>可能带给芯片设计公司伴随着设计弹性而来的更大风险。</a:t>
+            </a:r>
+            <a:endParaRPr lang="en-US" sz="1800" dirty="0"/>
           </a:p>
         </p:txBody>
       </p:sp>
@@ -10143,7 +10104,7 @@
           <p:cNvPr id="4" name="灯片编号占位符 3">
             <a:extLst>
               <a:ext uri="{FF2B5EF4-FFF2-40B4-BE49-F238E27FC236}">
-                <a16:creationId xmlns:a16="http://schemas.microsoft.com/office/drawing/2014/main" id="{0B47E157-A5D6-C320-564F-5CA1E009150A}"/>
+                <a16:creationId xmlns:a16="http://schemas.microsoft.com/office/drawing/2014/main" id="{DF24BC67-D83A-91D6-85EA-71154C98E00E}"/>
               </a:ext>
             </a:extLst>
           </p:cNvPr>
@@ -10176,7 +10137,7 @@
     </p:spTree>
     <p:extLst>
       <p:ext uri="{BB962C8B-B14F-4D97-AF65-F5344CB8AC3E}">
-        <p14:creationId xmlns:p14="http://schemas.microsoft.com/office/powerpoint/2010/main" val="1161506266"/>
+        <p14:creationId xmlns:p14="http://schemas.microsoft.com/office/powerpoint/2010/main" val="1716981157"/>
       </p:ext>
     </p:extLst>
   </p:cSld>
@@ -10209,7 +10170,7 @@
           <p:cNvPr id="2" name="标题 1">
             <a:extLst>
               <a:ext uri="{FF2B5EF4-FFF2-40B4-BE49-F238E27FC236}">
-                <a16:creationId xmlns:a16="http://schemas.microsoft.com/office/drawing/2014/main" id="{323F229F-E821-2F0B-89A8-FB9680340163}"/>
+                <a16:creationId xmlns:a16="http://schemas.microsoft.com/office/drawing/2014/main" id="{5F51552D-7D00-5922-8BC9-D4E55C4D6C00}"/>
               </a:ext>
             </a:extLst>
           </p:cNvPr>
@@ -10234,7 +10195,7 @@
           <p:cNvPr id="3" name="内容占位符 2">
             <a:extLst>
               <a:ext uri="{FF2B5EF4-FFF2-40B4-BE49-F238E27FC236}">
-                <a16:creationId xmlns:a16="http://schemas.microsoft.com/office/drawing/2014/main" id="{53C647A9-3E59-FD39-A73D-63A50FB72EF5}"/>
+                <a16:creationId xmlns:a16="http://schemas.microsoft.com/office/drawing/2014/main" id="{4E6ECB27-297A-C1E2-9B42-B997CCBBF5AC}"/>
               </a:ext>
             </a:extLst>
           </p:cNvPr>
@@ -10251,55 +10212,100 @@
           <a:lstStyle/>
           <a:p>
             <a:r>
-              <a:rPr lang="zh-CN" altLang="en-US" dirty="0"/>
-              <a:t>生态：作为新架构，</a:t>
-            </a:r>
-            <a:r>
-              <a:rPr lang="en-US" altLang="zh-CN" dirty="0"/>
+              <a:rPr lang="zh-CN" altLang="en-US" sz="2400" dirty="0"/>
+              <a:t>成本：</a:t>
+            </a:r>
+            <a:r>
+              <a:rPr lang="en-US" altLang="zh-CN" sz="2400" dirty="0"/>
+              <a:t>Arm </a:t>
+            </a:r>
+            <a:r>
+              <a:rPr lang="zh-CN" altLang="en-US" sz="2400" dirty="0"/>
+              <a:t>认为，虽然 </a:t>
+            </a:r>
+            <a:r>
+              <a:rPr lang="en-US" altLang="zh-CN" sz="2400" dirty="0"/>
               <a:t>RISC-V </a:t>
             </a:r>
             <a:r>
-              <a:rPr lang="zh-CN" altLang="en-US" dirty="0"/>
-              <a:t>不仅缺乏市场验证，也没有足够的软硬件设计支持工具。</a:t>
-            </a:r>
-            <a:endParaRPr lang="en-US" altLang="zh-CN" dirty="0"/>
-          </a:p>
-          <a:p>
-            <a:endParaRPr lang="en-US" dirty="0"/>
-          </a:p>
-          <a:p>
-            <a:endParaRPr lang="en-US" dirty="0"/>
-          </a:p>
-          <a:p>
-            <a:r>
-              <a:rPr lang="zh-CN" altLang="en-US" dirty="0"/>
-              <a:t>生态：</a:t>
-            </a:r>
-            <a:r>
-              <a:rPr lang="en-US" altLang="zh-CN" dirty="0"/>
+              <a:rPr lang="zh-CN" altLang="en-US" sz="2400" dirty="0"/>
+              <a:t>核心指令集是免费的，但从设计工具、周边 </a:t>
+            </a:r>
+            <a:r>
+              <a:rPr lang="en-US" altLang="zh-CN" sz="2400" dirty="0"/>
+              <a:t>IP </a:t>
+            </a:r>
+            <a:r>
+              <a:rPr lang="zh-CN" altLang="en-US" sz="2400" dirty="0"/>
+              <a:t>到制造服务等，没有一项是免费的，</a:t>
+            </a:r>
+            <a:r>
+              <a:rPr lang="en-US" altLang="zh-CN" sz="2400" dirty="0"/>
+              <a:t>ISA </a:t>
+            </a:r>
+            <a:r>
+              <a:rPr lang="zh-CN" altLang="en-US" sz="2400" dirty="0"/>
+              <a:t>部分的成本其实影响不大。</a:t>
+            </a:r>
+            <a:endParaRPr lang="en-US" altLang="zh-CN" sz="2400" dirty="0"/>
+          </a:p>
+          <a:p>
+            <a:endParaRPr lang="en-US" altLang="zh-CN" sz="2400" dirty="0"/>
+          </a:p>
+          <a:p>
+            <a:endParaRPr lang="en-US" altLang="zh-CN" sz="2400" dirty="0"/>
+          </a:p>
+          <a:p>
+            <a:r>
+              <a:rPr lang="zh-CN" altLang="en-US" sz="2400" dirty="0"/>
+              <a:t>成本：</a:t>
+            </a:r>
+            <a:r>
+              <a:rPr lang="en-US" altLang="zh-CN" sz="2400" dirty="0"/>
+              <a:t>RISC-V </a:t>
+            </a:r>
+            <a:r>
+              <a:rPr lang="zh-CN" altLang="en-US" sz="2400" dirty="0"/>
+              <a:t>的最大优点是架构的可定制性，相较之下，</a:t>
+            </a:r>
+            <a:r>
+              <a:rPr lang="en-US" altLang="zh-CN" sz="2400" dirty="0"/>
               <a:t>Arm </a:t>
             </a:r>
             <a:r>
-              <a:rPr lang="zh-CN" altLang="en-US" dirty="0"/>
-              <a:t>在发展初期同样也苦于生态的不成熟，若以老前辈的身份指责后进者不成熟，其实是有争议的，而且开源社区与各大软硬件公司都相当支持 </a:t>
-            </a:r>
-            <a:r>
-              <a:rPr lang="en-US" altLang="zh-CN" dirty="0"/>
-              <a:t>RISC-V </a:t>
-            </a:r>
-            <a:r>
-              <a:rPr lang="zh-CN" altLang="en-US" dirty="0"/>
-              <a:t>的发展，若操作系统成熟，那么新进架构快速和现有生态接轨，甚至追上 </a:t>
-            </a:r>
-            <a:r>
-              <a:rPr lang="en-US" altLang="zh-CN" dirty="0"/>
+              <a:rPr lang="zh-CN" altLang="en-US" sz="2400" dirty="0"/>
+              <a:t>不允许客户在基础架构授权下自定义核心，</a:t>
+            </a:r>
+            <a:r>
+              <a:rPr lang="en-US" altLang="zh-CN" sz="2400" dirty="0"/>
               <a:t>Arm </a:t>
             </a:r>
             <a:r>
-              <a:rPr lang="zh-CN" altLang="en-US" dirty="0"/>
-              <a:t>生态，也不是不可能的事情。</a:t>
-            </a:r>
-            <a:endParaRPr lang="en-US" dirty="0"/>
+              <a:rPr lang="zh-CN" altLang="en-US" sz="2400" dirty="0"/>
+              <a:t>虽然也提供可定制的架构授权服务，但是成本非常高，甚至高过周边所有 </a:t>
+            </a:r>
+            <a:r>
+              <a:rPr lang="en-US" altLang="zh-CN" sz="2400" dirty="0"/>
+              <a:t>IP </a:t>
+            </a:r>
+            <a:r>
+              <a:rPr lang="zh-CN" altLang="en-US" sz="2400" dirty="0"/>
+              <a:t>的组合，并非如 </a:t>
+            </a:r>
+            <a:r>
+              <a:rPr lang="en-US" altLang="zh-CN" sz="2400" dirty="0"/>
+              <a:t>Arm </a:t>
+            </a:r>
+            <a:r>
+              <a:rPr lang="zh-CN" altLang="en-US" sz="2400" dirty="0"/>
+              <a:t>所言仅占处理器的一小部分。</a:t>
+            </a:r>
+          </a:p>
+          <a:p>
+            <a:endParaRPr lang="zh-CN" altLang="en-US" sz="2400" dirty="0"/>
+          </a:p>
+          <a:p>
+            <a:endParaRPr lang="zh-CN" altLang="en-US" sz="1800" dirty="0"/>
           </a:p>
         </p:txBody>
       </p:sp>
@@ -10308,7 +10314,7 @@
           <p:cNvPr id="4" name="灯片编号占位符 3">
             <a:extLst>
               <a:ext uri="{FF2B5EF4-FFF2-40B4-BE49-F238E27FC236}">
-                <a16:creationId xmlns:a16="http://schemas.microsoft.com/office/drawing/2014/main" id="{AD7A7860-7783-7F04-4D0F-43873550FE48}"/>
+                <a16:creationId xmlns:a16="http://schemas.microsoft.com/office/drawing/2014/main" id="{0B47E157-A5D6-C320-564F-5CA1E009150A}"/>
               </a:ext>
             </a:extLst>
           </p:cNvPr>
@@ -10341,7 +10347,7 @@
     </p:spTree>
     <p:extLst>
       <p:ext uri="{BB962C8B-B14F-4D97-AF65-F5344CB8AC3E}">
-        <p14:creationId xmlns:p14="http://schemas.microsoft.com/office/powerpoint/2010/main" val="2429518249"/>
+        <p14:creationId xmlns:p14="http://schemas.microsoft.com/office/powerpoint/2010/main" val="1161506266"/>
       </p:ext>
     </p:extLst>
   </p:cSld>
@@ -10374,7 +10380,7 @@
           <p:cNvPr id="2" name="标题 1">
             <a:extLst>
               <a:ext uri="{FF2B5EF4-FFF2-40B4-BE49-F238E27FC236}">
-                <a16:creationId xmlns:a16="http://schemas.microsoft.com/office/drawing/2014/main" id="{88A1B798-3C57-1294-319B-972632745AB7}"/>
+                <a16:creationId xmlns:a16="http://schemas.microsoft.com/office/drawing/2014/main" id="{323F229F-E821-2F0B-89A8-FB9680340163}"/>
               </a:ext>
             </a:extLst>
           </p:cNvPr>
@@ -10399,7 +10405,7 @@
           <p:cNvPr id="3" name="内容占位符 2">
             <a:extLst>
               <a:ext uri="{FF2B5EF4-FFF2-40B4-BE49-F238E27FC236}">
-                <a16:creationId xmlns:a16="http://schemas.microsoft.com/office/drawing/2014/main" id="{117EEDB2-F207-606E-11A7-72A5DA0A4E16}"/>
+                <a16:creationId xmlns:a16="http://schemas.microsoft.com/office/drawing/2014/main" id="{53C647A9-3E59-FD39-A73D-63A50FB72EF5}"/>
               </a:ext>
             </a:extLst>
           </p:cNvPr>
@@ -10417,7 +10423,7 @@
           <a:p>
             <a:r>
               <a:rPr lang="zh-CN" altLang="en-US" dirty="0"/>
-              <a:t>碎片化：</a:t>
+              <a:t>生态：作为新架构，</a:t>
             </a:r>
             <a:r>
               <a:rPr lang="en-US" altLang="zh-CN" dirty="0"/>
@@ -10425,7 +10431,7 @@
             </a:r>
             <a:r>
               <a:rPr lang="zh-CN" altLang="en-US" dirty="0"/>
-              <a:t>容许设计者增加自有的指令集扩展，这将导致软件可能必须针对不同的扩展进行支持工作，越多开发者支持，就越可能加剧这种状况，而这就是碎片化。</a:t>
+              <a:t>不仅缺乏市场验证，也没有足够的软硬件设计支持工具。</a:t>
             </a:r>
             <a:endParaRPr lang="en-US" altLang="zh-CN" dirty="0"/>
           </a:p>
@@ -10433,9 +10439,20 @@
             <a:endParaRPr lang="en-US" dirty="0"/>
           </a:p>
           <a:p>
+            <a:endParaRPr lang="en-US" dirty="0"/>
+          </a:p>
+          <a:p>
             <a:r>
               <a:rPr lang="zh-CN" altLang="en-US" dirty="0"/>
-              <a:t>碎片化：</a:t>
+              <a:t>生态：</a:t>
+            </a:r>
+            <a:r>
+              <a:rPr lang="en-US" altLang="zh-CN" dirty="0"/>
+              <a:t>Arm </a:t>
+            </a:r>
+            <a:r>
+              <a:rPr lang="zh-CN" altLang="en-US" dirty="0"/>
+              <a:t>在发展初期同样也苦于生态的不成熟，若以老前辈的身份指责后进者不成熟，其实是有争议的，而且开源社区与各大软硬件公司都相当支持 </a:t>
             </a:r>
             <a:r>
               <a:rPr lang="en-US" altLang="zh-CN" dirty="0"/>
@@ -10443,15 +10460,7 @@
             </a:r>
             <a:r>
               <a:rPr lang="zh-CN" altLang="en-US" dirty="0"/>
-              <a:t>都必须遵守共有的 </a:t>
-            </a:r>
-            <a:r>
-              <a:rPr lang="en-US" altLang="zh-CN" dirty="0"/>
-              <a:t>40 </a:t>
-            </a:r>
-            <a:r>
-              <a:rPr lang="zh-CN" altLang="en-US" dirty="0"/>
-              <a:t>条基本指令集，确保基本的兼容性，况且 </a:t>
+              <a:t>的发展，若操作系统成熟，那么新进架构快速和现有生态接轨，甚至追上 </a:t>
             </a:r>
             <a:r>
               <a:rPr lang="en-US" altLang="zh-CN" dirty="0"/>
@@ -10459,111 +10468,7 @@
             </a:r>
             <a:r>
               <a:rPr lang="zh-CN" altLang="en-US" dirty="0"/>
-              <a:t>本身也容许包含 </a:t>
-            </a:r>
-            <a:r>
-              <a:rPr lang="en-US" altLang="zh-CN" dirty="0"/>
-              <a:t>NVIDIA</a:t>
-            </a:r>
-            <a:r>
-              <a:rPr lang="zh-CN" altLang="en-US" dirty="0"/>
-              <a:t>、苹果、高通等采用架构授权的客户增加自有的指令，而 </a:t>
-            </a:r>
-            <a:r>
-              <a:rPr lang="en-US" altLang="zh-CN" dirty="0"/>
-              <a:t>Arm </a:t>
-            </a:r>
-            <a:r>
-              <a:rPr lang="zh-CN" altLang="en-US" dirty="0"/>
-              <a:t>过去也针对自己的架构设计了多种 </a:t>
-            </a:r>
-            <a:r>
-              <a:rPr lang="en-US" altLang="zh-CN" dirty="0"/>
-              <a:t>ISA</a:t>
-            </a:r>
-            <a:r>
-              <a:rPr lang="zh-CN" altLang="en-US" dirty="0"/>
-              <a:t>（</a:t>
-            </a:r>
-            <a:r>
-              <a:rPr lang="en-US" altLang="zh-CN" dirty="0"/>
-              <a:t>ARM V6 / 7 / 8</a:t>
-            </a:r>
-            <a:r>
-              <a:rPr lang="zh-CN" altLang="en-US" dirty="0"/>
-              <a:t>，</a:t>
-            </a:r>
-            <a:r>
-              <a:rPr lang="en-US" altLang="zh-CN" dirty="0"/>
-              <a:t>Thumb1</a:t>
-            </a:r>
-            <a:r>
-              <a:rPr lang="zh-CN" altLang="en-US" dirty="0"/>
-              <a:t>，</a:t>
-            </a:r>
-            <a:r>
-              <a:rPr lang="en-US" altLang="zh-CN" dirty="0"/>
-              <a:t>Thumb2</a:t>
-            </a:r>
-            <a:r>
-              <a:rPr lang="zh-CN" altLang="en-US" dirty="0"/>
-              <a:t>，</a:t>
-            </a:r>
-            <a:r>
-              <a:rPr lang="en-US" altLang="zh-CN" dirty="0" err="1"/>
-              <a:t>ThumbEE</a:t>
-            </a:r>
-            <a:r>
-              <a:rPr lang="zh-CN" altLang="en-US" dirty="0"/>
-              <a:t>，</a:t>
-            </a:r>
-            <a:r>
-              <a:rPr lang="en-US" altLang="zh-CN" dirty="0" err="1"/>
-              <a:t>Jazelle</a:t>
-            </a:r>
-            <a:r>
-              <a:rPr lang="zh-CN" altLang="en-US" dirty="0"/>
-              <a:t>，</a:t>
-            </a:r>
-            <a:r>
-              <a:rPr lang="en-US" altLang="zh-CN" dirty="0"/>
-              <a:t>ARM V8</a:t>
-            </a:r>
-            <a:r>
-              <a:rPr lang="zh-CN" altLang="en-US" dirty="0"/>
-              <a:t>，</a:t>
-            </a:r>
-            <a:r>
-              <a:rPr lang="en-US" altLang="zh-CN" dirty="0"/>
-              <a:t>V8-M</a:t>
-            </a:r>
-            <a:r>
-              <a:rPr lang="zh-CN" altLang="en-US" dirty="0"/>
-              <a:t>，</a:t>
-            </a:r>
-            <a:r>
-              <a:rPr lang="en-US" altLang="zh-CN" dirty="0"/>
-              <a:t>NVIC / VIC / GICv2 / 3/4... </a:t>
-            </a:r>
-            <a:r>
-              <a:rPr lang="zh-CN" altLang="en-US" dirty="0"/>
-              <a:t>等，以及包含 </a:t>
-            </a:r>
-            <a:r>
-              <a:rPr lang="en-US" altLang="zh-CN" dirty="0"/>
-              <a:t>DSP / NEON / VFP / SVE </a:t>
-            </a:r>
-            <a:r>
-              <a:rPr lang="zh-CN" altLang="en-US" dirty="0"/>
-              <a:t>等指令集变体），甚至比开源社区更复杂，因此，</a:t>
-            </a:r>
-            <a:r>
-              <a:rPr lang="en-US" altLang="zh-CN" dirty="0"/>
-              <a:t>Arm </a:t>
-            </a:r>
-            <a:r>
-              <a:rPr lang="zh-CN" altLang="en-US" dirty="0"/>
-              <a:t>所指责的状况也同样会发生在自己身上。</a:t>
+              <a:t>生态，也不是不可能的事情。</a:t>
             </a:r>
             <a:endParaRPr lang="en-US" dirty="0"/>
           </a:p>
@@ -10574,7 +10479,7 @@
           <p:cNvPr id="4" name="灯片编号占位符 3">
             <a:extLst>
               <a:ext uri="{FF2B5EF4-FFF2-40B4-BE49-F238E27FC236}">
-                <a16:creationId xmlns:a16="http://schemas.microsoft.com/office/drawing/2014/main" id="{FF35B1EF-4939-FA51-9378-B68FB669A7F6}"/>
+                <a16:creationId xmlns:a16="http://schemas.microsoft.com/office/drawing/2014/main" id="{AD7A7860-7783-7F04-4D0F-43873550FE48}"/>
               </a:ext>
             </a:extLst>
           </p:cNvPr>
@@ -10607,7 +10512,7 @@
     </p:spTree>
     <p:extLst>
       <p:ext uri="{BB962C8B-B14F-4D97-AF65-F5344CB8AC3E}">
-        <p14:creationId xmlns:p14="http://schemas.microsoft.com/office/powerpoint/2010/main" val="3215190854"/>
+        <p14:creationId xmlns:p14="http://schemas.microsoft.com/office/powerpoint/2010/main" val="2429518249"/>
       </p:ext>
     </p:extLst>
   </p:cSld>
@@ -10928,7 +10833,7 @@
           <p:cNvPr id="2" name="标题 1">
             <a:extLst>
               <a:ext uri="{FF2B5EF4-FFF2-40B4-BE49-F238E27FC236}">
-                <a16:creationId xmlns:a16="http://schemas.microsoft.com/office/drawing/2014/main" id="{77542C23-A8F0-2A7F-718B-3C90C7EB302A}"/>
+                <a16:creationId xmlns:a16="http://schemas.microsoft.com/office/drawing/2014/main" id="{88A1B798-3C57-1294-319B-972632745AB7}"/>
               </a:ext>
             </a:extLst>
           </p:cNvPr>
@@ -10953,7 +10858,7 @@
           <p:cNvPr id="3" name="内容占位符 2">
             <a:extLst>
               <a:ext uri="{FF2B5EF4-FFF2-40B4-BE49-F238E27FC236}">
-                <a16:creationId xmlns:a16="http://schemas.microsoft.com/office/drawing/2014/main" id="{9314FEEC-0DAB-CDFB-19AE-FD8D88988D63}"/>
+                <a16:creationId xmlns:a16="http://schemas.microsoft.com/office/drawing/2014/main" id="{117EEDB2-F207-606E-11A7-72A5DA0A4E16}"/>
               </a:ext>
             </a:extLst>
           </p:cNvPr>
@@ -10971,7 +10876,41 @@
           <a:p>
             <a:r>
               <a:rPr lang="zh-CN" altLang="en-US" dirty="0"/>
-              <a:t>安全性：包含 </a:t>
+              <a:t>碎片化：</a:t>
+            </a:r>
+            <a:r>
+              <a:rPr lang="en-US" altLang="zh-CN" dirty="0"/>
+              <a:t>RISC-V </a:t>
+            </a:r>
+            <a:r>
+              <a:rPr lang="zh-CN" altLang="en-US" dirty="0"/>
+              <a:t>容许设计者增加自有的指令集扩展，这将导致软件可能必须针对不同的扩展进行支持工作，越多开发者支持，就越可能加剧这种状况，而这就是碎片化。</a:t>
+            </a:r>
+            <a:endParaRPr lang="en-US" altLang="zh-CN" dirty="0"/>
+          </a:p>
+          <a:p>
+            <a:endParaRPr lang="en-US" dirty="0"/>
+          </a:p>
+          <a:p>
+            <a:r>
+              <a:rPr lang="zh-CN" altLang="en-US" dirty="0"/>
+              <a:t>碎片化：</a:t>
+            </a:r>
+            <a:r>
+              <a:rPr lang="en-US" altLang="zh-CN" dirty="0"/>
+              <a:t>RISC-V </a:t>
+            </a:r>
+            <a:r>
+              <a:rPr lang="zh-CN" altLang="en-US" dirty="0"/>
+              <a:t>都必须遵守共有的 </a:t>
+            </a:r>
+            <a:r>
+              <a:rPr lang="en-US" altLang="zh-CN" dirty="0"/>
+              <a:t>40 </a:t>
+            </a:r>
+            <a:r>
+              <a:rPr lang="zh-CN" altLang="en-US" dirty="0"/>
+              <a:t>条基本指令集，确保基本的兼容性，况且 </a:t>
             </a:r>
             <a:r>
               <a:rPr lang="en-US" altLang="zh-CN" dirty="0"/>
@@ -10979,73 +10918,111 @@
             </a:r>
             <a:r>
               <a:rPr lang="zh-CN" altLang="en-US" dirty="0"/>
-              <a:t>在内的主流处理器架构在前些时间都遭遇了设计上的漏洞等安全性问题，而作为新创的架构，</a:t>
+              <a:t>本身也容许包含 </a:t>
             </a:r>
             <a:r>
               <a:rPr lang="en-US" altLang="zh-CN" dirty="0"/>
-              <a:t>RISC-V </a:t>
+              <a:t>NVIDIA</a:t>
             </a:r>
             <a:r>
               <a:rPr lang="zh-CN" altLang="en-US" dirty="0"/>
-              <a:t>在应对这方面的风险时，可能就无法有效处理。</a:t>
-            </a:r>
-            <a:endParaRPr lang="en-US" altLang="zh-CN" dirty="0"/>
-          </a:p>
-          <a:p>
-            <a:endParaRPr lang="en-US" dirty="0"/>
-          </a:p>
-          <a:p>
+              <a:t>、苹果、高通等采用架构授权的客户增加自有的指令，而 </a:t>
+            </a:r>
+            <a:r>
+              <a:rPr lang="en-US" altLang="zh-CN" dirty="0"/>
+              <a:t>Arm </a:t>
+            </a:r>
             <a:r>
               <a:rPr lang="zh-CN" altLang="en-US" dirty="0"/>
-              <a:t>安全性：</a:t>
+              <a:t>过去也针对自己的架构设计了多种 </a:t>
             </a:r>
             <a:r>
               <a:rPr lang="en-US" altLang="zh-CN" dirty="0"/>
-              <a:t>Arm</a:t>
+              <a:t>ISA</a:t>
             </a:r>
             <a:r>
               <a:rPr lang="zh-CN" altLang="en-US" dirty="0"/>
-              <a:t>、</a:t>
+              <a:t>（</a:t>
             </a:r>
             <a:r>
               <a:rPr lang="en-US" altLang="zh-CN" dirty="0"/>
-              <a:t>Intel</a:t>
+              <a:t>ARM V6 / 7 / 8</a:t>
             </a:r>
             <a:r>
               <a:rPr lang="zh-CN" altLang="en-US" dirty="0"/>
-              <a:t>、</a:t>
+              <a:t>，</a:t>
             </a:r>
             <a:r>
               <a:rPr lang="en-US" altLang="zh-CN" dirty="0"/>
-              <a:t>AMD </a:t>
+              <a:t>Thumb1</a:t>
             </a:r>
             <a:r>
               <a:rPr lang="zh-CN" altLang="en-US" dirty="0"/>
-              <a:t>等传统处理器大厂都未能幸免于处理器安全漏洞问题，要以此议题质疑 </a:t>
+              <a:t>，</a:t>
             </a:r>
             <a:r>
               <a:rPr lang="en-US" altLang="zh-CN" dirty="0"/>
-              <a:t>RISC-V </a:t>
+              <a:t>Thumb2</a:t>
             </a:r>
             <a:r>
               <a:rPr lang="zh-CN" altLang="en-US" dirty="0"/>
-              <a:t>同样也站不住脚。而 </a:t>
+              <a:t>，</a:t>
+            </a:r>
+            <a:r>
+              <a:rPr lang="en-US" altLang="zh-CN" dirty="0" err="1"/>
+              <a:t>ThumbEE</a:t>
+            </a:r>
+            <a:r>
+              <a:rPr lang="zh-CN" altLang="en-US" dirty="0"/>
+              <a:t>，</a:t>
+            </a:r>
+            <a:r>
+              <a:rPr lang="en-US" altLang="zh-CN" dirty="0" err="1"/>
+              <a:t>Jazelle</a:t>
+            </a:r>
+            <a:r>
+              <a:rPr lang="zh-CN" altLang="en-US" dirty="0"/>
+              <a:t>，</a:t>
             </a:r>
             <a:r>
               <a:rPr lang="en-US" altLang="zh-CN" dirty="0"/>
-              <a:t>Linux </a:t>
+              <a:t>ARM V8</a:t>
             </a:r>
             <a:r>
               <a:rPr lang="zh-CN" altLang="en-US" dirty="0"/>
-              <a:t>设计大神 </a:t>
+              <a:t>，</a:t>
             </a:r>
             <a:r>
               <a:rPr lang="en-US" altLang="zh-CN" dirty="0"/>
-              <a:t>Linus </a:t>
+              <a:t>V8-M</a:t>
             </a:r>
             <a:r>
               <a:rPr lang="zh-CN" altLang="en-US" dirty="0"/>
-              <a:t>则曾表示，安全漏洞基本上只是臭虫，难免都会发生，能修正就好。</a:t>
+              <a:t>，</a:t>
+            </a:r>
+            <a:r>
+              <a:rPr lang="en-US" altLang="zh-CN" dirty="0"/>
+              <a:t>NVIC / VIC / GICv2 / 3/4... </a:t>
+            </a:r>
+            <a:r>
+              <a:rPr lang="zh-CN" altLang="en-US" dirty="0"/>
+              <a:t>等，以及包含 </a:t>
+            </a:r>
+            <a:r>
+              <a:rPr lang="en-US" altLang="zh-CN" dirty="0"/>
+              <a:t>DSP / NEON / VFP / SVE </a:t>
+            </a:r>
+            <a:r>
+              <a:rPr lang="zh-CN" altLang="en-US" dirty="0"/>
+              <a:t>等指令集变体），甚至比开源社区更复杂，因此，</a:t>
+            </a:r>
+            <a:r>
+              <a:rPr lang="en-US" altLang="zh-CN" dirty="0"/>
+              <a:t>Arm </a:t>
+            </a:r>
+            <a:r>
+              <a:rPr lang="zh-CN" altLang="en-US" dirty="0"/>
+              <a:t>所指责的状况也同样会发生在自己身上。</a:t>
             </a:r>
             <a:endParaRPr lang="en-US" dirty="0"/>
           </a:p>
@@ -11056,7 +11033,7 @@
           <p:cNvPr id="4" name="灯片编号占位符 3">
             <a:extLst>
               <a:ext uri="{FF2B5EF4-FFF2-40B4-BE49-F238E27FC236}">
-                <a16:creationId xmlns:a16="http://schemas.microsoft.com/office/drawing/2014/main" id="{7439F2D4-60FF-AE31-3119-A178914B131D}"/>
+                <a16:creationId xmlns:a16="http://schemas.microsoft.com/office/drawing/2014/main" id="{FF35B1EF-4939-FA51-9378-B68FB669A7F6}"/>
               </a:ext>
             </a:extLst>
           </p:cNvPr>
@@ -11089,7 +11066,7 @@
     </p:spTree>
     <p:extLst>
       <p:ext uri="{BB962C8B-B14F-4D97-AF65-F5344CB8AC3E}">
-        <p14:creationId xmlns:p14="http://schemas.microsoft.com/office/powerpoint/2010/main" val="3354740040"/>
+        <p14:creationId xmlns:p14="http://schemas.microsoft.com/office/powerpoint/2010/main" val="3215190854"/>
       </p:ext>
     </p:extLst>
   </p:cSld>
@@ -11122,7 +11099,7 @@
           <p:cNvPr id="2" name="标题 1">
             <a:extLst>
               <a:ext uri="{FF2B5EF4-FFF2-40B4-BE49-F238E27FC236}">
-                <a16:creationId xmlns:a16="http://schemas.microsoft.com/office/drawing/2014/main" id="{B7A7EEB0-A3DD-1834-3828-D50837DA2991}"/>
+                <a16:creationId xmlns:a16="http://schemas.microsoft.com/office/drawing/2014/main" id="{77542C23-A8F0-2A7F-718B-3C90C7EB302A}"/>
               </a:ext>
             </a:extLst>
           </p:cNvPr>
@@ -11147,7 +11124,7 @@
           <p:cNvPr id="3" name="内容占位符 2">
             <a:extLst>
               <a:ext uri="{FF2B5EF4-FFF2-40B4-BE49-F238E27FC236}">
-                <a16:creationId xmlns:a16="http://schemas.microsoft.com/office/drawing/2014/main" id="{0E92F258-7ABF-51EC-EA63-9D20CFEECF2A}"/>
+                <a16:creationId xmlns:a16="http://schemas.microsoft.com/office/drawing/2014/main" id="{9314FEEC-0DAB-CDFB-19AE-FD8D88988D63}"/>
               </a:ext>
             </a:extLst>
           </p:cNvPr>
@@ -11165,7 +11142,15 @@
           <a:p>
             <a:r>
               <a:rPr lang="zh-CN" altLang="en-US" dirty="0"/>
-              <a:t>设计验证：一般处理器在设计时都必须针对所有指令集进行庞大的验证工作，确保执行不会出错，但作为可以让开发者自行更动指令集的架构，</a:t>
+              <a:t>安全性：包含 </a:t>
+            </a:r>
+            <a:r>
+              <a:rPr lang="en-US" altLang="zh-CN" dirty="0"/>
+              <a:t>Arm </a:t>
+            </a:r>
+            <a:r>
+              <a:rPr lang="zh-CN" altLang="en-US" dirty="0"/>
+              <a:t>在内的主流处理器架构在前些时间都遭遇了设计上的漏洞等安全性问题，而作为新创的架构，</a:t>
             </a:r>
             <a:r>
               <a:rPr lang="en-US" altLang="zh-CN" dirty="0"/>
@@ -11173,7 +11158,7 @@
             </a:r>
             <a:r>
               <a:rPr lang="zh-CN" altLang="en-US" dirty="0"/>
-              <a:t>可能带给芯片设计公司伴随着设计弹性而来的更大风险。</a:t>
+              <a:t>在应对这方面的风险时，可能就无法有效处理。</a:t>
             </a:r>
             <a:endParaRPr lang="en-US" altLang="zh-CN" dirty="0"/>
           </a:p>
@@ -11183,11 +11168,11 @@
           <a:p>
             <a:r>
               <a:rPr lang="zh-CN" altLang="en-US" dirty="0"/>
-              <a:t>设计验证：开发处理器主要是针对不同应用，因此考量点也有不同，比如说，</a:t>
+              <a:t>安全性：</a:t>
             </a:r>
             <a:r>
               <a:rPr lang="en-US" altLang="zh-CN" dirty="0"/>
-              <a:t>MIPS</a:t>
+              <a:t>Arm</a:t>
             </a:r>
             <a:r>
               <a:rPr lang="zh-CN" altLang="en-US" dirty="0"/>
@@ -11195,43 +11180,43 @@
             </a:r>
             <a:r>
               <a:rPr lang="en-US" altLang="zh-CN" dirty="0"/>
-              <a:t>X86 </a:t>
+              <a:t>Intel</a:t>
             </a:r>
             <a:r>
               <a:rPr lang="zh-CN" altLang="en-US" dirty="0"/>
-              <a:t>很早就推出多线程工作模式，但 </a:t>
+              <a:t>、</a:t>
             </a:r>
             <a:r>
               <a:rPr lang="en-US" altLang="zh-CN" dirty="0"/>
-              <a:t>Arm </a:t>
+              <a:t>AMD </a:t>
             </a:r>
             <a:r>
               <a:rPr lang="zh-CN" altLang="en-US" dirty="0"/>
-              <a:t>直到今日还不支持这种已经是主流的系统架构，而对于这种功能上的缺失，</a:t>
+              <a:t>等传统处理器大厂都未能幸免于处理器安全漏洞问题，要以此议题质疑 </a:t>
             </a:r>
             <a:r>
               <a:rPr lang="en-US" altLang="zh-CN" dirty="0"/>
-              <a:t>Arm </a:t>
+              <a:t>RISC-V </a:t>
             </a:r>
             <a:r>
               <a:rPr lang="zh-CN" altLang="en-US" dirty="0"/>
-              <a:t>并不会因个别客户的要求而有改变，另外，针对架构改变后的验证，其相关的验证工具套件都已经很成熟，也不是 </a:t>
+              <a:t>同样也站不住脚。而 </a:t>
             </a:r>
             <a:r>
               <a:rPr lang="en-US" altLang="zh-CN" dirty="0"/>
-              <a:t>X86 </a:t>
+              <a:t>Linux </a:t>
             </a:r>
             <a:r>
               <a:rPr lang="zh-CN" altLang="en-US" dirty="0"/>
-              <a:t>或 </a:t>
+              <a:t>设计大神 </a:t>
             </a:r>
             <a:r>
               <a:rPr lang="en-US" altLang="zh-CN" dirty="0"/>
-              <a:t>Arm </a:t>
+              <a:t>Linus </a:t>
             </a:r>
             <a:r>
               <a:rPr lang="zh-CN" altLang="en-US" dirty="0"/>
-              <a:t>架构所独有。</a:t>
+              <a:t>则曾表示，安全漏洞基本上只是臭虫，难免都会发生，能修正就好。</a:t>
             </a:r>
             <a:endParaRPr lang="en-US" dirty="0"/>
           </a:p>
@@ -11242,7 +11227,7 @@
           <p:cNvPr id="4" name="灯片编号占位符 3">
             <a:extLst>
               <a:ext uri="{FF2B5EF4-FFF2-40B4-BE49-F238E27FC236}">
-                <a16:creationId xmlns:a16="http://schemas.microsoft.com/office/drawing/2014/main" id="{53F9EF15-0F8F-1719-9541-8DC0F6F7286E}"/>
+                <a16:creationId xmlns:a16="http://schemas.microsoft.com/office/drawing/2014/main" id="{7439F2D4-60FF-AE31-3119-A178914B131D}"/>
               </a:ext>
             </a:extLst>
           </p:cNvPr>
@@ -11275,7 +11260,7 @@
     </p:spTree>
     <p:extLst>
       <p:ext uri="{BB962C8B-B14F-4D97-AF65-F5344CB8AC3E}">
-        <p14:creationId xmlns:p14="http://schemas.microsoft.com/office/powerpoint/2010/main" val="3242328730"/>
+        <p14:creationId xmlns:p14="http://schemas.microsoft.com/office/powerpoint/2010/main" val="3354740040"/>
       </p:ext>
     </p:extLst>
   </p:cSld>
@@ -11305,10 +11290,35 @@
       </p:grpSpPr>
       <p:sp>
         <p:nvSpPr>
+          <p:cNvPr id="2" name="标题 1">
+            <a:extLst>
+              <a:ext uri="{FF2B5EF4-FFF2-40B4-BE49-F238E27FC236}">
+                <a16:creationId xmlns:a16="http://schemas.microsoft.com/office/drawing/2014/main" id="{B7A7EEB0-A3DD-1834-3828-D50837DA2991}"/>
+              </a:ext>
+            </a:extLst>
+          </p:cNvPr>
+          <p:cNvSpPr>
+            <a:spLocks noGrp="1"/>
+          </p:cNvSpPr>
+          <p:nvPr>
+            <p:ph type="title"/>
+          </p:nvPr>
+        </p:nvSpPr>
+        <p:spPr/>
+        <p:txBody>
+          <a:bodyPr/>
+          <a:lstStyle/>
+          <a:p>
+            <a:endParaRPr lang="en-US"/>
+          </a:p>
+        </p:txBody>
+      </p:sp>
+      <p:sp>
+        <p:nvSpPr>
           <p:cNvPr id="3" name="内容占位符 2">
             <a:extLst>
               <a:ext uri="{FF2B5EF4-FFF2-40B4-BE49-F238E27FC236}">
-                <a16:creationId xmlns:a16="http://schemas.microsoft.com/office/drawing/2014/main" id="{29D5543B-DF85-7462-0168-E7EC20AAC846}"/>
+                <a16:creationId xmlns:a16="http://schemas.microsoft.com/office/drawing/2014/main" id="{0E92F258-7ABF-51EC-EA63-9D20CFEECF2A}"/>
               </a:ext>
             </a:extLst>
           </p:cNvPr>
@@ -11319,182 +11329,82 @@
             <p:ph idx="1"/>
           </p:nvPr>
         </p:nvSpPr>
-        <p:spPr>
-          <a:xfrm>
-            <a:off x="344488" y="548680"/>
-            <a:ext cx="8928100" cy="4608513"/>
-          </a:xfrm>
-        </p:spPr>
+        <p:spPr/>
         <p:txBody>
           <a:bodyPr/>
           <a:lstStyle/>
           <a:p>
             <a:r>
-              <a:rPr lang="zh-CN" altLang="en-US" b="0" dirty="0"/>
-              <a:t>作为一种指令集架构，</a:t>
-            </a:r>
-            <a:r>
-              <a:rPr lang="en-US" altLang="zh-CN" b="0" dirty="0"/>
+              <a:rPr lang="zh-CN" altLang="en-US" dirty="0"/>
+              <a:t>设计验证：一般处理器在设计时都必须针对所有指令集进行庞大的验证工作，确保执行不会出错，但作为可以让开发者自行更动指令集的架构，</a:t>
+            </a:r>
+            <a:r>
+              <a:rPr lang="en-US" altLang="zh-CN" dirty="0"/>
               <a:t>RISC-V </a:t>
             </a:r>
             <a:r>
-              <a:rPr lang="zh-CN" altLang="en-US" b="0" dirty="0"/>
-              <a:t>本身并不像软件一样是“开源”的，因为 </a:t>
-            </a:r>
-            <a:r>
-              <a:rPr lang="en-US" altLang="zh-CN" b="0" dirty="0"/>
-              <a:t>ISA </a:t>
-            </a:r>
-            <a:r>
-              <a:rPr lang="zh-CN" altLang="en-US" b="0" dirty="0"/>
-              <a:t>不是由源代码构成的。然而，它是一个开放的规范，它是在知识共享许可下发布的。</a:t>
-            </a:r>
-            <a:endParaRPr lang="en-US" altLang="zh-CN" b="0" dirty="0"/>
-          </a:p>
-          <a:p>
-            <a:endParaRPr lang="en-US" b="0" dirty="0"/>
-          </a:p>
-          <a:p>
-            <a:endParaRPr lang="en-US" b="0" dirty="0"/>
-          </a:p>
-          <a:p>
-            <a:r>
-              <a:rPr lang="zh-CN" altLang="en-US" b="0" dirty="0"/>
-              <a:t>许多 </a:t>
-            </a:r>
-            <a:r>
-              <a:rPr lang="en-US" altLang="zh-CN" b="0" dirty="0"/>
-              <a:t>RISC</a:t>
-            </a:r>
-            <a:r>
-              <a:rPr lang="zh-CN" altLang="en-US" b="0" dirty="0"/>
+              <a:rPr lang="zh-CN" altLang="en-US" dirty="0"/>
+              <a:t>可能带给芯片设计公司伴随着设计弹性而来的更大风险。</a:t>
+            </a:r>
+            <a:endParaRPr lang="en-US" altLang="zh-CN" dirty="0"/>
+          </a:p>
+          <a:p>
+            <a:endParaRPr lang="en-US" dirty="0"/>
+          </a:p>
+          <a:p>
+            <a:r>
+              <a:rPr lang="zh-CN" altLang="en-US" dirty="0"/>
+              <a:t>设计验证：开发处理器主要是针对不同应用，因此考量点也有不同，比如说，</a:t>
+            </a:r>
+            <a:r>
+              <a:rPr lang="en-US" altLang="zh-CN" dirty="0"/>
+              <a:t>MIPS</a:t>
+            </a:r>
+            <a:r>
+              <a:rPr lang="zh-CN" altLang="en-US" dirty="0"/>
               <a:t>、</a:t>
             </a:r>
             <a:r>
-              <a:rPr lang="en-US" altLang="zh-CN" b="0" dirty="0"/>
-              <a:t>MIPS </a:t>
-            </a:r>
-            <a:r>
-              <a:rPr lang="zh-CN" altLang="en-US" b="0" dirty="0"/>
-              <a:t>和其他设计已经不同程度地“开放”。 </a:t>
-            </a:r>
-            <a:r>
-              <a:rPr lang="en-US" altLang="zh-CN" b="0" dirty="0"/>
-              <a:t>2005 </a:t>
-            </a:r>
-            <a:r>
-              <a:rPr lang="zh-CN" altLang="en-US" b="0" dirty="0"/>
-              <a:t>年，</a:t>
-            </a:r>
-            <a:r>
-              <a:rPr lang="en-US" altLang="zh-CN" b="0" dirty="0"/>
-              <a:t>Sun Microsystems </a:t>
-            </a:r>
-            <a:r>
-              <a:rPr lang="zh-CN" altLang="en-US" b="0" dirty="0"/>
-              <a:t>开放了 </a:t>
-            </a:r>
-            <a:r>
-              <a:rPr lang="en-US" altLang="zh-CN" b="0" dirty="0"/>
-              <a:t>SPARC </a:t>
-            </a:r>
-            <a:r>
-              <a:rPr lang="zh-CN" altLang="en-US" b="0" dirty="0"/>
-              <a:t>架构，在 </a:t>
-            </a:r>
-            <a:r>
-              <a:rPr lang="en-US" altLang="zh-CN" b="0" dirty="0"/>
-              <a:t>GNU </a:t>
-            </a:r>
-            <a:r>
-              <a:rPr lang="zh-CN" altLang="en-US" b="0" dirty="0"/>
-              <a:t>许可证 下创建了 </a:t>
-            </a:r>
-            <a:r>
-              <a:rPr lang="en-US" altLang="zh-CN" b="0" dirty="0" err="1"/>
-              <a:t>OpenSPARC</a:t>
-            </a:r>
-            <a:r>
-              <a:rPr lang="en-US" altLang="zh-CN" b="0" dirty="0"/>
-              <a:t> </a:t>
-            </a:r>
-            <a:r>
-              <a:rPr lang="zh-CN" altLang="en-US" b="0" dirty="0"/>
-              <a:t>项目。 </a:t>
-            </a:r>
-            <a:r>
-              <a:rPr lang="en-US" altLang="zh-CN" b="0" dirty="0" err="1"/>
-              <a:t>OpenRISC</a:t>
-            </a:r>
-            <a:r>
-              <a:rPr lang="en-US" altLang="zh-CN" b="0" dirty="0"/>
-              <a:t> </a:t>
-            </a:r>
-            <a:r>
-              <a:rPr lang="zh-CN" altLang="en-US" b="0" dirty="0"/>
-              <a:t>项目在较宽松的 </a:t>
-            </a:r>
-            <a:r>
-              <a:rPr lang="en-US" altLang="zh-CN" b="0" dirty="0"/>
-              <a:t>GNU </a:t>
-            </a:r>
-            <a:r>
-              <a:rPr lang="zh-CN" altLang="en-US" b="0" dirty="0"/>
-              <a:t>公共许可证下通过 </a:t>
-            </a:r>
-            <a:r>
-              <a:rPr lang="en-US" altLang="zh-CN" b="0" dirty="0" err="1"/>
-              <a:t>OpenCores</a:t>
-            </a:r>
-            <a:r>
-              <a:rPr lang="en-US" altLang="zh-CN" b="0" dirty="0"/>
-              <a:t> </a:t>
-            </a:r>
-            <a:r>
-              <a:rPr lang="zh-CN" altLang="en-US" b="0" dirty="0"/>
-              <a:t>社区提供 </a:t>
-            </a:r>
-            <a:r>
-              <a:rPr lang="en-US" altLang="zh-CN" b="0" dirty="0"/>
-              <a:t>32 </a:t>
-            </a:r>
-            <a:r>
-              <a:rPr lang="zh-CN" altLang="en-US" b="0" dirty="0"/>
-              <a:t>位和 </a:t>
-            </a:r>
-            <a:r>
-              <a:rPr lang="en-US" altLang="zh-CN" b="0" dirty="0"/>
-              <a:t>64 </a:t>
-            </a:r>
-            <a:r>
-              <a:rPr lang="zh-CN" altLang="en-US" b="0" dirty="0"/>
-              <a:t>位内核，这比 </a:t>
-            </a:r>
-            <a:r>
-              <a:rPr lang="en-US" altLang="zh-CN" b="0" dirty="0"/>
-              <a:t>GPL </a:t>
-            </a:r>
-            <a:r>
-              <a:rPr lang="zh-CN" altLang="en-US" b="0" dirty="0"/>
-              <a:t>的限制要少一些。 </a:t>
-            </a:r>
-            <a:r>
-              <a:rPr lang="en-US" altLang="zh-CN" b="0" dirty="0"/>
-              <a:t>Wave Computing </a:t>
-            </a:r>
-            <a:r>
-              <a:rPr lang="zh-CN" altLang="en-US" b="0" dirty="0"/>
-              <a:t>拥有的 </a:t>
-            </a:r>
-            <a:r>
-              <a:rPr lang="en-US" altLang="zh-CN" b="0" dirty="0"/>
-              <a:t>MIPS </a:t>
-            </a:r>
-            <a:r>
-              <a:rPr lang="zh-CN" altLang="en-US" b="0" dirty="0"/>
-              <a:t>架构是根据“开放使用”许可提供的。</a:t>
-            </a:r>
-            <a:endParaRPr lang="en-US" b="0" dirty="0"/>
+              <a:rPr lang="en-US" altLang="zh-CN" dirty="0"/>
+              <a:t>X86 </a:t>
+            </a:r>
+            <a:r>
+              <a:rPr lang="zh-CN" altLang="en-US" dirty="0"/>
+              <a:t>很早就推出多线程工作模式，但 </a:t>
+            </a:r>
+            <a:r>
+              <a:rPr lang="en-US" altLang="zh-CN" dirty="0"/>
+              <a:t>Arm </a:t>
+            </a:r>
+            <a:r>
+              <a:rPr lang="zh-CN" altLang="en-US" dirty="0"/>
+              <a:t>直到今日还不支持这种已经是主流的系统架构，而对于这种功能上的缺失，</a:t>
+            </a:r>
+            <a:r>
+              <a:rPr lang="en-US" altLang="zh-CN" dirty="0"/>
+              <a:t>Arm </a:t>
+            </a:r>
+            <a:r>
+              <a:rPr lang="zh-CN" altLang="en-US" dirty="0"/>
+              <a:t>并不会因个别客户的要求而有改变，另外，针对架构改变后的验证，其相关的验证工具套件都已经很成熟，也不是 </a:t>
+            </a:r>
+            <a:r>
+              <a:rPr lang="en-US" altLang="zh-CN" dirty="0"/>
+              <a:t>X86 </a:t>
+            </a:r>
+            <a:r>
+              <a:rPr lang="zh-CN" altLang="en-US" dirty="0"/>
+              <a:t>或 </a:t>
+            </a:r>
+            <a:r>
+              <a:rPr lang="en-US" altLang="zh-CN" dirty="0"/>
+              <a:t>Arm </a:t>
+            </a:r>
+            <a:r>
+              <a:rPr lang="zh-CN" altLang="en-US" dirty="0"/>
+              <a:t>架构所独有。</a:t>
+            </a:r>
+            <a:endParaRPr lang="en-US" dirty="0"/>
           </a:p>
         </p:txBody>
       </p:sp>
@@ -11503,7 +11413,7 @@
           <p:cNvPr id="4" name="灯片编号占位符 3">
             <a:extLst>
               <a:ext uri="{FF2B5EF4-FFF2-40B4-BE49-F238E27FC236}">
-                <a16:creationId xmlns:a16="http://schemas.microsoft.com/office/drawing/2014/main" id="{4D55B4EE-729E-525F-2454-D8701BDDAB2C}"/>
+                <a16:creationId xmlns:a16="http://schemas.microsoft.com/office/drawing/2014/main" id="{53F9EF15-0F8F-1719-9541-8DC0F6F7286E}"/>
               </a:ext>
             </a:extLst>
           </p:cNvPr>
@@ -11536,7 +11446,7 @@
     </p:spTree>
     <p:extLst>
       <p:ext uri="{BB962C8B-B14F-4D97-AF65-F5344CB8AC3E}">
-        <p14:creationId xmlns:p14="http://schemas.microsoft.com/office/powerpoint/2010/main" val="188437736"/>
+        <p14:creationId xmlns:p14="http://schemas.microsoft.com/office/powerpoint/2010/main" val="3242328730"/>
       </p:ext>
     </p:extLst>
   </p:cSld>
@@ -11569,7 +11479,7 @@
           <p:cNvPr id="2" name="标题 1">
             <a:extLst>
               <a:ext uri="{FF2B5EF4-FFF2-40B4-BE49-F238E27FC236}">
-                <a16:creationId xmlns:a16="http://schemas.microsoft.com/office/drawing/2014/main" id="{401CB407-F6B9-27BB-03DC-02C2049BC47C}"/>
+                <a16:creationId xmlns:a16="http://schemas.microsoft.com/office/drawing/2014/main" id="{F9ECF6AE-3FC2-F3E8-D5A8-DCB2A4101C0C}"/>
               </a:ext>
             </a:extLst>
           </p:cNvPr>
@@ -11585,49 +11495,16 @@
           <a:bodyPr/>
           <a:lstStyle/>
           <a:p>
-            <a:pPr algn="ctr"/>
-            <a:r>
-              <a:rPr lang="en-US" dirty="0">
-                <a:effectLst>
-                  <a:outerShdw blurRad="38100" dist="38100" dir="2700000" algn="tl">
-                    <a:srgbClr val="000000">
-                      <a:alpha val="43137"/>
-                    </a:srgbClr>
-                  </a:outerShdw>
-                </a:effectLst>
-              </a:rPr>
-              <a:t>RISC-V</a:t>
-            </a:r>
-            <a:r>
-              <a:rPr lang="zh-CN" altLang="en-US" dirty="0">
-                <a:effectLst>
-                  <a:outerShdw blurRad="38100" dist="38100" dir="2700000" algn="tl">
-                    <a:srgbClr val="000000">
-                      <a:alpha val="43137"/>
-                    </a:srgbClr>
-                  </a:outerShdw>
-                </a:effectLst>
-              </a:rPr>
-              <a:t>在中国</a:t>
-            </a:r>
-            <a:endParaRPr lang="en-US" dirty="0">
-              <a:effectLst>
-                <a:outerShdw blurRad="38100" dist="38100" dir="2700000" algn="tl">
-                  <a:srgbClr val="000000">
-                    <a:alpha val="43137"/>
-                  </a:srgbClr>
-                </a:outerShdw>
-              </a:effectLst>
-            </a:endParaRPr>
+            <a:endParaRPr lang="en-US"/>
           </a:p>
         </p:txBody>
       </p:sp>
       <p:pic>
         <p:nvPicPr>
-          <p:cNvPr id="6" name="内容占位符 5" descr="电子设备的屏幕&#10;&#10;描述已自动生成">
+          <p:cNvPr id="6" name="内容占位符 5">
             <a:extLst>
               <a:ext uri="{FF2B5EF4-FFF2-40B4-BE49-F238E27FC236}">
-                <a16:creationId xmlns:a16="http://schemas.microsoft.com/office/drawing/2014/main" id="{BE2F8C4B-DB6A-0C36-8870-14C5D4168AD7}"/>
+                <a16:creationId xmlns:a16="http://schemas.microsoft.com/office/drawing/2014/main" id="{952AE1EF-EDCF-3A7B-CBCB-9DB2F12F9E83}"/>
               </a:ext>
             </a:extLst>
           </p:cNvPr>
@@ -11639,21 +11516,15 @@
           </p:nvPr>
         </p:nvPicPr>
         <p:blipFill>
-          <a:blip r:embed="rId2">
-            <a:extLst>
-              <a:ext uri="{28A0092B-C50C-407E-A947-70E740481C1C}">
-                <a14:useLocalDpi xmlns:a14="http://schemas.microsoft.com/office/drawing/2010/main" val="0"/>
-              </a:ext>
-            </a:extLst>
-          </a:blip>
+          <a:blip r:embed="rId2"/>
           <a:stretch>
             <a:fillRect/>
           </a:stretch>
         </p:blipFill>
         <p:spPr>
           <a:xfrm>
-            <a:off x="5889104" y="1370407"/>
-            <a:ext cx="3447765" cy="4608513"/>
+            <a:off x="432307" y="1340768"/>
+            <a:ext cx="9378443" cy="4719089"/>
           </a:xfrm>
         </p:spPr>
       </p:pic>
@@ -11662,7 +11533,7 @@
           <p:cNvPr id="4" name="灯片编号占位符 3">
             <a:extLst>
               <a:ext uri="{FF2B5EF4-FFF2-40B4-BE49-F238E27FC236}">
-                <a16:creationId xmlns:a16="http://schemas.microsoft.com/office/drawing/2014/main" id="{B9B2E493-6822-D58A-E291-9B2A790CB9CD}"/>
+                <a16:creationId xmlns:a16="http://schemas.microsoft.com/office/drawing/2014/main" id="{8A1F77E1-927E-8A93-3F7E-916DA9EBCDE1}"/>
               </a:ext>
             </a:extLst>
           </p:cNvPr>
@@ -11692,343 +11563,10 @@
           </a:p>
         </p:txBody>
       </p:sp>
-      <p:sp>
-        <p:nvSpPr>
-          <p:cNvPr id="7" name="文本框 6">
-            <a:extLst>
-              <a:ext uri="{FF2B5EF4-FFF2-40B4-BE49-F238E27FC236}">
-                <a16:creationId xmlns:a16="http://schemas.microsoft.com/office/drawing/2014/main" id="{9C7F9CD6-D33A-C9E2-152D-133EE81B819D}"/>
-              </a:ext>
-            </a:extLst>
-          </p:cNvPr>
-          <p:cNvSpPr txBox="1"/>
-          <p:nvPr/>
-        </p:nvSpPr>
-        <p:spPr>
-          <a:xfrm>
-            <a:off x="577238" y="1431509"/>
-            <a:ext cx="4819742" cy="4893647"/>
-          </a:xfrm>
-          <a:prstGeom prst="rect">
-            <a:avLst/>
-          </a:prstGeom>
-          <a:noFill/>
-        </p:spPr>
-        <p:txBody>
-          <a:bodyPr wrap="square" rtlCol="0">
-            <a:spAutoFit/>
-          </a:bodyPr>
-          <a:lstStyle/>
-          <a:p>
-            <a:pPr algn="l"/>
-            <a:r>
-              <a:rPr lang="en-US" altLang="zh-CN" b="0" i="0" dirty="0">
-                <a:solidFill>
-                  <a:srgbClr val="4D5156"/>
-                </a:solidFill>
-                <a:effectLst/>
-                <a:latin typeface="arial" panose="020B0604020202020204" pitchFamily="34" charset="0"/>
-              </a:rPr>
-              <a:t>	</a:t>
-            </a:r>
-            <a:r>
-              <a:rPr lang="zh-CN" altLang="en-US" b="0" i="0" dirty="0">
-                <a:solidFill>
-                  <a:srgbClr val="4D5156"/>
-                </a:solidFill>
-                <a:effectLst/>
-                <a:latin typeface="arial" panose="020B0604020202020204" pitchFamily="34" charset="0"/>
-              </a:rPr>
-              <a:t>阿里巴巴旗下半导体公司平头哥发布了它的首款 </a:t>
-            </a:r>
-            <a:r>
-              <a:rPr lang="en-US" altLang="zh-CN" b="0" i="0" dirty="0">
-                <a:solidFill>
-                  <a:srgbClr val="4D5156"/>
-                </a:solidFill>
-                <a:effectLst/>
-                <a:latin typeface="arial" panose="020B0604020202020204" pitchFamily="34" charset="0"/>
-              </a:rPr>
-              <a:t>RISC-V </a:t>
-            </a:r>
-            <a:r>
-              <a:rPr lang="zh-CN" altLang="en-US" b="0" i="0" dirty="0">
-                <a:solidFill>
-                  <a:srgbClr val="4D5156"/>
-                </a:solidFill>
-                <a:effectLst/>
-                <a:latin typeface="arial" panose="020B0604020202020204" pitchFamily="34" charset="0"/>
-              </a:rPr>
-              <a:t>处理器“玄铁 </a:t>
-            </a:r>
-            <a:r>
-              <a:rPr lang="en-US" altLang="zh-CN" b="0" i="0" dirty="0">
-                <a:solidFill>
-                  <a:srgbClr val="4D5156"/>
-                </a:solidFill>
-                <a:effectLst/>
-                <a:latin typeface="arial" panose="020B0604020202020204" pitchFamily="34" charset="0"/>
-              </a:rPr>
-              <a:t>910”</a:t>
-            </a:r>
-            <a:r>
-              <a:rPr lang="zh-CN" altLang="en-US" b="0" i="0" dirty="0">
-                <a:solidFill>
-                  <a:srgbClr val="4D5156"/>
-                </a:solidFill>
-                <a:effectLst/>
-                <a:latin typeface="arial" panose="020B0604020202020204" pitchFamily="34" charset="0"/>
-              </a:rPr>
-              <a:t>（</a:t>
-            </a:r>
-            <a:r>
-              <a:rPr lang="en-US" altLang="zh-CN" b="0" i="0" dirty="0">
-                <a:solidFill>
-                  <a:srgbClr val="4D5156"/>
-                </a:solidFill>
-                <a:effectLst/>
-                <a:latin typeface="arial" panose="020B0604020202020204" pitchFamily="34" charset="0"/>
-              </a:rPr>
-              <a:t>XuanTie910</a:t>
-            </a:r>
-            <a:r>
-              <a:rPr lang="zh-CN" altLang="en-US" b="0" i="0" dirty="0">
-                <a:solidFill>
-                  <a:srgbClr val="4D5156"/>
-                </a:solidFill>
-                <a:effectLst/>
-                <a:latin typeface="arial" panose="020B0604020202020204" pitchFamily="34" charset="0"/>
-              </a:rPr>
-              <a:t>）。</a:t>
-            </a:r>
-            <a:endParaRPr lang="en-US" altLang="zh-CN" b="0" i="0" dirty="0">
-              <a:solidFill>
-                <a:srgbClr val="4D5156"/>
-              </a:solidFill>
-              <a:effectLst/>
-              <a:latin typeface="arial" panose="020B0604020202020204" pitchFamily="34" charset="0"/>
-            </a:endParaRPr>
-          </a:p>
-          <a:p>
-            <a:pPr algn="l"/>
-            <a:r>
-              <a:rPr lang="en-US" altLang="zh-CN" b="0" i="0" dirty="0">
-                <a:solidFill>
-                  <a:srgbClr val="4D5156"/>
-                </a:solidFill>
-                <a:effectLst/>
-                <a:latin typeface="arial" panose="020B0604020202020204" pitchFamily="34" charset="0"/>
-              </a:rPr>
-              <a:t>	</a:t>
-            </a:r>
-            <a:r>
-              <a:rPr lang="zh-CN" altLang="en-US" b="0" i="0" dirty="0">
-                <a:solidFill>
-                  <a:srgbClr val="4D5156"/>
-                </a:solidFill>
-                <a:effectLst/>
-                <a:latin typeface="arial" panose="020B0604020202020204" pitchFamily="34" charset="0"/>
-              </a:rPr>
-              <a:t>阿里巴巴称它是目前性能最强的 </a:t>
-            </a:r>
-            <a:r>
-              <a:rPr lang="en-US" altLang="zh-CN" b="0" i="0" dirty="0">
-                <a:solidFill>
-                  <a:srgbClr val="4D5156"/>
-                </a:solidFill>
-                <a:effectLst/>
-                <a:latin typeface="arial" panose="020B0604020202020204" pitchFamily="34" charset="0"/>
-              </a:rPr>
-              <a:t>RISC-V </a:t>
-            </a:r>
-            <a:r>
-              <a:rPr lang="zh-CN" altLang="en-US" b="0" i="0" dirty="0">
-                <a:solidFill>
-                  <a:srgbClr val="4D5156"/>
-                </a:solidFill>
-                <a:effectLst/>
-                <a:latin typeface="arial" panose="020B0604020202020204" pitchFamily="34" charset="0"/>
-              </a:rPr>
-              <a:t>处理器，支持</a:t>
-            </a:r>
-            <a:r>
-              <a:rPr lang="en-US" altLang="zh-CN" b="0" i="0" dirty="0">
-                <a:solidFill>
-                  <a:srgbClr val="4D5156"/>
-                </a:solidFill>
-                <a:effectLst/>
-                <a:latin typeface="arial" panose="020B0604020202020204" pitchFamily="34" charset="0"/>
-              </a:rPr>
-              <a:t>16</a:t>
-            </a:r>
-            <a:r>
-              <a:rPr lang="zh-CN" altLang="en-US" b="0" i="0" dirty="0">
-                <a:solidFill>
-                  <a:srgbClr val="4D5156"/>
-                </a:solidFill>
-                <a:effectLst/>
-                <a:latin typeface="arial" panose="020B0604020202020204" pitchFamily="34" charset="0"/>
-              </a:rPr>
-              <a:t>核，主频 </a:t>
-            </a:r>
-            <a:r>
-              <a:rPr lang="en-US" altLang="zh-CN" b="0" i="0" dirty="0">
-                <a:solidFill>
-                  <a:srgbClr val="4D5156"/>
-                </a:solidFill>
-                <a:effectLst/>
-                <a:latin typeface="arial" panose="020B0604020202020204" pitchFamily="34" charset="0"/>
-              </a:rPr>
-              <a:t>2.5GHz</a:t>
-            </a:r>
-            <a:r>
-              <a:rPr lang="zh-CN" altLang="en-US" b="0" i="0" dirty="0">
-                <a:solidFill>
-                  <a:srgbClr val="4D5156"/>
-                </a:solidFill>
-                <a:effectLst/>
-                <a:latin typeface="arial" panose="020B0604020202020204" pitchFamily="34" charset="0"/>
-              </a:rPr>
-              <a:t>，单核性能达到 </a:t>
-            </a:r>
-            <a:r>
-              <a:rPr lang="en-US" altLang="zh-CN" b="0" i="0" dirty="0">
-                <a:solidFill>
-                  <a:srgbClr val="4D5156"/>
-                </a:solidFill>
-                <a:effectLst/>
-                <a:latin typeface="arial" panose="020B0604020202020204" pitchFamily="34" charset="0"/>
-              </a:rPr>
-              <a:t>7.1 Coremark/MHz</a:t>
-            </a:r>
-          </a:p>
-          <a:p>
-            <a:pPr algn="l"/>
-            <a:r>
-              <a:rPr lang="en-US" altLang="zh-CN" b="0" dirty="0">
-                <a:solidFill>
-                  <a:srgbClr val="4D5156"/>
-                </a:solidFill>
-                <a:latin typeface="arial" panose="020B0604020202020204" pitchFamily="34" charset="0"/>
-              </a:rPr>
-              <a:t>	</a:t>
-            </a:r>
-            <a:r>
-              <a:rPr lang="zh-CN" altLang="en-US" b="0" dirty="0">
-                <a:solidFill>
-                  <a:srgbClr val="4D5156"/>
-                </a:solidFill>
-                <a:latin typeface="arial" panose="020B0604020202020204" pitchFamily="34" charset="0"/>
-              </a:rPr>
-              <a:t>是业界首个实现每周期 </a:t>
-            </a:r>
-            <a:r>
-              <a:rPr lang="en-US" altLang="zh-CN" b="0" dirty="0">
-                <a:solidFill>
-                  <a:srgbClr val="4D5156"/>
-                </a:solidFill>
-                <a:latin typeface="arial" panose="020B0604020202020204" pitchFamily="34" charset="0"/>
-              </a:rPr>
-              <a:t>2 </a:t>
-            </a:r>
-            <a:r>
-              <a:rPr lang="zh-CN" altLang="en-US" b="0" dirty="0">
-                <a:solidFill>
-                  <a:srgbClr val="4D5156"/>
-                </a:solidFill>
-                <a:latin typeface="arial" panose="020B0604020202020204" pitchFamily="34" charset="0"/>
-              </a:rPr>
-              <a:t>条内存访问的 </a:t>
-            </a:r>
-            <a:r>
-              <a:rPr lang="en-US" altLang="zh-CN" b="0" dirty="0">
-                <a:solidFill>
-                  <a:srgbClr val="4D5156"/>
-                </a:solidFill>
-                <a:latin typeface="arial" panose="020B0604020202020204" pitchFamily="34" charset="0"/>
-              </a:rPr>
-              <a:t>RISC-V </a:t>
-            </a:r>
-            <a:r>
-              <a:rPr lang="zh-CN" altLang="en-US" b="0" dirty="0">
-                <a:solidFill>
-                  <a:srgbClr val="4D5156"/>
-                </a:solidFill>
-                <a:latin typeface="arial" panose="020B0604020202020204" pitchFamily="34" charset="0"/>
-              </a:rPr>
-              <a:t>处理器；二是它基于 </a:t>
-            </a:r>
-            <a:r>
-              <a:rPr lang="en-US" altLang="zh-CN" b="0" dirty="0">
-                <a:solidFill>
-                  <a:srgbClr val="4D5156"/>
-                </a:solidFill>
-                <a:latin typeface="arial" panose="020B0604020202020204" pitchFamily="34" charset="0"/>
-              </a:rPr>
-              <a:t>RISC-V </a:t>
-            </a:r>
-            <a:r>
-              <a:rPr lang="zh-CN" altLang="en-US" b="0" dirty="0">
-                <a:solidFill>
-                  <a:srgbClr val="4D5156"/>
-                </a:solidFill>
-                <a:latin typeface="arial" panose="020B0604020202020204" pitchFamily="34" charset="0"/>
-              </a:rPr>
-              <a:t>扩展了 </a:t>
-            </a:r>
-            <a:r>
-              <a:rPr lang="en-US" altLang="zh-CN" b="0" dirty="0">
-                <a:solidFill>
-                  <a:srgbClr val="4D5156"/>
-                </a:solidFill>
-                <a:latin typeface="arial" panose="020B0604020202020204" pitchFamily="34" charset="0"/>
-              </a:rPr>
-              <a:t>50 </a:t>
-            </a:r>
-            <a:r>
-              <a:rPr lang="zh-CN" altLang="en-US" b="0" dirty="0">
-                <a:solidFill>
-                  <a:srgbClr val="4D5156"/>
-                </a:solidFill>
-                <a:latin typeface="arial" panose="020B0604020202020204" pitchFamily="34" charset="0"/>
-              </a:rPr>
-              <a:t>余条指令，系统性增强了 </a:t>
-            </a:r>
-            <a:r>
-              <a:rPr lang="en-US" altLang="zh-CN" b="0" dirty="0">
-                <a:solidFill>
-                  <a:srgbClr val="4D5156"/>
-                </a:solidFill>
-                <a:latin typeface="arial" panose="020B0604020202020204" pitchFamily="34" charset="0"/>
-              </a:rPr>
-              <a:t>RISC-V </a:t>
-            </a:r>
-            <a:r>
-              <a:rPr lang="zh-CN" altLang="en-US" b="0" dirty="0">
-                <a:solidFill>
-                  <a:srgbClr val="4D5156"/>
-                </a:solidFill>
-                <a:latin typeface="arial" panose="020B0604020202020204" pitchFamily="34" charset="0"/>
-              </a:rPr>
-              <a:t>的计算、存储和多核等方面能力。</a:t>
-            </a:r>
-            <a:endParaRPr lang="en-US" b="0" dirty="0">
-              <a:solidFill>
-                <a:srgbClr val="4D5156"/>
-              </a:solidFill>
-              <a:latin typeface="arial" panose="020B0604020202020204" pitchFamily="34" charset="0"/>
-            </a:endParaRPr>
-          </a:p>
-          <a:p>
-            <a:pPr algn="l"/>
-            <a:endParaRPr lang="en-US" dirty="0"/>
-          </a:p>
-        </p:txBody>
-      </p:sp>
     </p:spTree>
     <p:extLst>
       <p:ext uri="{BB962C8B-B14F-4D97-AF65-F5344CB8AC3E}">
-        <p14:creationId xmlns:p14="http://schemas.microsoft.com/office/powerpoint/2010/main" val="1065626816"/>
+        <p14:creationId xmlns:p14="http://schemas.microsoft.com/office/powerpoint/2010/main" val="1140380235"/>
       </p:ext>
     </p:extLst>
   </p:cSld>
@@ -12058,10 +11596,10 @@
       </p:grpSpPr>
       <p:sp>
         <p:nvSpPr>
-          <p:cNvPr id="2" name="标题 1">
+          <p:cNvPr id="3" name="内容占位符 2">
             <a:extLst>
               <a:ext uri="{FF2B5EF4-FFF2-40B4-BE49-F238E27FC236}">
-                <a16:creationId xmlns:a16="http://schemas.microsoft.com/office/drawing/2014/main" id="{401CB407-F6B9-27BB-03DC-02C2049BC47C}"/>
+                <a16:creationId xmlns:a16="http://schemas.microsoft.com/office/drawing/2014/main" id="{29D5543B-DF85-7462-0168-E7EC20AAC846}"/>
               </a:ext>
             </a:extLst>
           </p:cNvPr>
@@ -12069,91 +11607,194 @@
             <a:spLocks noGrp="1"/>
           </p:cNvSpPr>
           <p:nvPr>
-            <p:ph type="title"/>
-          </p:nvPr>
-        </p:nvSpPr>
-        <p:spPr/>
+            <p:ph idx="1"/>
+          </p:nvPr>
+        </p:nvSpPr>
+        <p:spPr>
+          <a:xfrm>
+            <a:off x="344488" y="548680"/>
+            <a:ext cx="8928100" cy="4608513"/>
+          </a:xfrm>
+        </p:spPr>
         <p:txBody>
           <a:bodyPr/>
           <a:lstStyle/>
           <a:p>
-            <a:pPr algn="ctr"/>
-            <a:r>
-              <a:rPr lang="en-US" dirty="0">
-                <a:effectLst>
-                  <a:outerShdw blurRad="38100" dist="38100" dir="2700000" algn="tl">
-                    <a:srgbClr val="000000">
-                      <a:alpha val="43137"/>
-                    </a:srgbClr>
-                  </a:outerShdw>
-                </a:effectLst>
-              </a:rPr>
-              <a:t>RISC-V</a:t>
-            </a:r>
-            <a:r>
-              <a:rPr lang="zh-CN" altLang="en-US" dirty="0">
-                <a:effectLst>
-                  <a:outerShdw blurRad="38100" dist="38100" dir="2700000" algn="tl">
-                    <a:srgbClr val="000000">
-                      <a:alpha val="43137"/>
-                    </a:srgbClr>
-                  </a:outerShdw>
-                </a:effectLst>
-              </a:rPr>
-              <a:t>在中国</a:t>
-            </a:r>
-            <a:endParaRPr lang="en-US" dirty="0">
-              <a:effectLst>
-                <a:outerShdw blurRad="38100" dist="38100" dir="2700000" algn="tl">
-                  <a:srgbClr val="000000">
-                    <a:alpha val="43137"/>
-                  </a:srgbClr>
-                </a:outerShdw>
-              </a:effectLst>
-            </a:endParaRPr>
-          </a:p>
-        </p:txBody>
-      </p:sp>
-      <p:pic>
-        <p:nvPicPr>
-          <p:cNvPr id="6" name="内容占位符 5">
-            <a:extLst>
-              <a:ext uri="{FF2B5EF4-FFF2-40B4-BE49-F238E27FC236}">
-                <a16:creationId xmlns:a16="http://schemas.microsoft.com/office/drawing/2014/main" id="{BE2F8C4B-DB6A-0C36-8870-14C5D4168AD7}"/>
-              </a:ext>
-            </a:extLst>
-          </p:cNvPr>
-          <p:cNvPicPr>
-            <a:picLocks noGrp="1" noChangeAspect="1"/>
-          </p:cNvPicPr>
-          <p:nvPr>
-            <p:ph idx="1"/>
-          </p:nvPr>
-        </p:nvPicPr>
-        <p:blipFill>
-          <a:blip r:embed="rId2">
-            <a:extLst>
-              <a:ext uri="{28A0092B-C50C-407E-A947-70E740481C1C}">
-                <a14:useLocalDpi xmlns:a14="http://schemas.microsoft.com/office/drawing/2010/main" val="0"/>
-              </a:ext>
-            </a:extLst>
-          </a:blip>
-          <a:srcRect/>
-          <a:stretch/>
-        </p:blipFill>
-        <p:spPr>
-          <a:xfrm>
-            <a:off x="5889104" y="1376854"/>
-            <a:ext cx="3447765" cy="4595618"/>
-          </a:xfrm>
-        </p:spPr>
-      </p:pic>
+            <a:r>
+              <a:rPr lang="zh-CN" altLang="en-US" b="0" dirty="0"/>
+              <a:t>作为一种指令集架构，</a:t>
+            </a:r>
+            <a:r>
+              <a:rPr lang="en-US" altLang="zh-CN" b="0" dirty="0"/>
+              <a:t>RISC-V </a:t>
+            </a:r>
+            <a:r>
+              <a:rPr lang="zh-CN" altLang="en-US" b="0" dirty="0"/>
+              <a:t>本身并不像软件一样是“开源”的，因为 </a:t>
+            </a:r>
+            <a:r>
+              <a:rPr lang="en-US" altLang="zh-CN" b="0" dirty="0"/>
+              <a:t>ISA </a:t>
+            </a:r>
+            <a:r>
+              <a:rPr lang="zh-CN" altLang="en-US" b="0" dirty="0"/>
+              <a:t>不是由源代码构成的。然而，它是一个开放的规范，它是在知识共享许可下发布的。</a:t>
+            </a:r>
+            <a:endParaRPr lang="en-US" altLang="zh-CN" b="0" dirty="0"/>
+          </a:p>
+          <a:p>
+            <a:endParaRPr lang="en-US" b="0" dirty="0"/>
+          </a:p>
+          <a:p>
+            <a:endParaRPr lang="en-US" b="0" dirty="0"/>
+          </a:p>
+          <a:p>
+            <a:r>
+              <a:rPr lang="zh-CN" altLang="en-US" b="0" dirty="0"/>
+              <a:t>许多 </a:t>
+            </a:r>
+            <a:r>
+              <a:rPr lang="en-US" altLang="zh-CN" b="0" dirty="0"/>
+              <a:t>RISC</a:t>
+            </a:r>
+            <a:r>
+              <a:rPr lang="zh-CN" altLang="en-US" b="0" dirty="0"/>
+              <a:t>、</a:t>
+            </a:r>
+            <a:r>
+              <a:rPr lang="en-US" altLang="zh-CN" b="0" dirty="0"/>
+              <a:t>MIPS </a:t>
+            </a:r>
+            <a:r>
+              <a:rPr lang="zh-CN" altLang="en-US" b="0" dirty="0"/>
+              <a:t>和其他设计已经不同程度地“开放”。 </a:t>
+            </a:r>
+            <a:r>
+              <a:rPr lang="en-US" altLang="zh-CN" b="0" dirty="0"/>
+              <a:t>2005 </a:t>
+            </a:r>
+            <a:r>
+              <a:rPr lang="zh-CN" altLang="en-US" b="0" dirty="0"/>
+              <a:t>年，</a:t>
+            </a:r>
+            <a:r>
+              <a:rPr lang="en-US" altLang="zh-CN" b="0" dirty="0"/>
+              <a:t>Sun Microsystems </a:t>
+            </a:r>
+            <a:r>
+              <a:rPr lang="zh-CN" altLang="en-US" b="0" dirty="0"/>
+              <a:t>开放了 </a:t>
+            </a:r>
+            <a:r>
+              <a:rPr lang="en-US" altLang="zh-CN" b="0" dirty="0"/>
+              <a:t>SPARC </a:t>
+            </a:r>
+            <a:r>
+              <a:rPr lang="zh-CN" altLang="en-US" b="0" dirty="0"/>
+              <a:t>架构，在 </a:t>
+            </a:r>
+            <a:r>
+              <a:rPr lang="en-US" altLang="zh-CN" b="0" dirty="0"/>
+              <a:t>GNU </a:t>
+            </a:r>
+            <a:r>
+              <a:rPr lang="zh-CN" altLang="en-US" b="0" dirty="0"/>
+              <a:t>许可证 下创建了 </a:t>
+            </a:r>
+            <a:r>
+              <a:rPr lang="en-US" altLang="zh-CN" b="0" dirty="0" err="1"/>
+              <a:t>OpenSPARC</a:t>
+            </a:r>
+            <a:r>
+              <a:rPr lang="en-US" altLang="zh-CN" b="0" dirty="0"/>
+              <a:t> </a:t>
+            </a:r>
+            <a:r>
+              <a:rPr lang="zh-CN" altLang="en-US" b="0" dirty="0"/>
+              <a:t>项目。 </a:t>
+            </a:r>
+            <a:r>
+              <a:rPr lang="en-US" altLang="zh-CN" b="0" dirty="0" err="1"/>
+              <a:t>OpenRISC</a:t>
+            </a:r>
+            <a:r>
+              <a:rPr lang="en-US" altLang="zh-CN" b="0" dirty="0"/>
+              <a:t> </a:t>
+            </a:r>
+            <a:r>
+              <a:rPr lang="zh-CN" altLang="en-US" b="0" dirty="0"/>
+              <a:t>项目在较宽松的 </a:t>
+            </a:r>
+            <a:r>
+              <a:rPr lang="en-US" altLang="zh-CN" b="0" dirty="0"/>
+              <a:t>GNU </a:t>
+            </a:r>
+            <a:r>
+              <a:rPr lang="zh-CN" altLang="en-US" b="0" dirty="0"/>
+              <a:t>公共许可证下通过 </a:t>
+            </a:r>
+            <a:r>
+              <a:rPr lang="en-US" altLang="zh-CN" b="0" dirty="0" err="1"/>
+              <a:t>OpenCores</a:t>
+            </a:r>
+            <a:r>
+              <a:rPr lang="en-US" altLang="zh-CN" b="0" dirty="0"/>
+              <a:t> </a:t>
+            </a:r>
+            <a:r>
+              <a:rPr lang="zh-CN" altLang="en-US" b="0" dirty="0"/>
+              <a:t>社区提供 </a:t>
+            </a:r>
+            <a:r>
+              <a:rPr lang="en-US" altLang="zh-CN" b="0" dirty="0"/>
+              <a:t>32 </a:t>
+            </a:r>
+            <a:r>
+              <a:rPr lang="zh-CN" altLang="en-US" b="0" dirty="0"/>
+              <a:t>位和 </a:t>
+            </a:r>
+            <a:r>
+              <a:rPr lang="en-US" altLang="zh-CN" b="0" dirty="0"/>
+              <a:t>64 </a:t>
+            </a:r>
+            <a:r>
+              <a:rPr lang="zh-CN" altLang="en-US" b="0" dirty="0"/>
+              <a:t>位内核，这比 </a:t>
+            </a:r>
+            <a:r>
+              <a:rPr lang="en-US" altLang="zh-CN" b="0" dirty="0"/>
+              <a:t>GPL </a:t>
+            </a:r>
+            <a:r>
+              <a:rPr lang="zh-CN" altLang="en-US" b="0" dirty="0"/>
+              <a:t>的限制要少一些。 </a:t>
+            </a:r>
+            <a:r>
+              <a:rPr lang="en-US" altLang="zh-CN" b="0" dirty="0"/>
+              <a:t>Wave Computing </a:t>
+            </a:r>
+            <a:r>
+              <a:rPr lang="zh-CN" altLang="en-US" b="0" dirty="0"/>
+              <a:t>拥有的 </a:t>
+            </a:r>
+            <a:r>
+              <a:rPr lang="en-US" altLang="zh-CN" b="0" dirty="0"/>
+              <a:t>MIPS </a:t>
+            </a:r>
+            <a:r>
+              <a:rPr lang="zh-CN" altLang="en-US" b="0" dirty="0"/>
+              <a:t>架构是根据“开放使用”许可提供的。</a:t>
+            </a:r>
+            <a:endParaRPr lang="en-US" b="0" dirty="0"/>
+          </a:p>
+        </p:txBody>
+      </p:sp>
       <p:sp>
         <p:nvSpPr>
           <p:cNvPr id="4" name="灯片编号占位符 3">
             <a:extLst>
               <a:ext uri="{FF2B5EF4-FFF2-40B4-BE49-F238E27FC236}">
-                <a16:creationId xmlns:a16="http://schemas.microsoft.com/office/drawing/2014/main" id="{B9B2E493-6822-D58A-E291-9B2A790CB9CD}"/>
+                <a16:creationId xmlns:a16="http://schemas.microsoft.com/office/drawing/2014/main" id="{4D55B4EE-729E-525F-2454-D8701BDDAB2C}"/>
               </a:ext>
             </a:extLst>
           </p:cNvPr>
@@ -12183,224 +11824,10 @@
           </a:p>
         </p:txBody>
       </p:sp>
-      <p:sp>
-        <p:nvSpPr>
-          <p:cNvPr id="3" name="文本框 2">
-            <a:extLst>
-              <a:ext uri="{FF2B5EF4-FFF2-40B4-BE49-F238E27FC236}">
-                <a16:creationId xmlns:a16="http://schemas.microsoft.com/office/drawing/2014/main" id="{E5E9FBF3-1E85-4532-2430-E43B0CCE0323}"/>
-              </a:ext>
-            </a:extLst>
-          </p:cNvPr>
-          <p:cNvSpPr txBox="1"/>
-          <p:nvPr/>
-        </p:nvSpPr>
-        <p:spPr>
-          <a:xfrm>
-            <a:off x="1141370" y="1844824"/>
-            <a:ext cx="184731" cy="461665"/>
-          </a:xfrm>
-          <a:prstGeom prst="rect">
-            <a:avLst/>
-          </a:prstGeom>
-          <a:noFill/>
-        </p:spPr>
-        <p:txBody>
-          <a:bodyPr wrap="none" rtlCol="0">
-            <a:spAutoFit/>
-          </a:bodyPr>
-          <a:lstStyle/>
-          <a:p>
-            <a:endParaRPr lang="en-US" dirty="0"/>
-          </a:p>
-        </p:txBody>
-      </p:sp>
-      <p:sp>
-        <p:nvSpPr>
-          <p:cNvPr id="8" name="文本框 7">
-            <a:extLst>
-              <a:ext uri="{FF2B5EF4-FFF2-40B4-BE49-F238E27FC236}">
-                <a16:creationId xmlns:a16="http://schemas.microsoft.com/office/drawing/2014/main" id="{E0A574C5-ABA8-EC86-EF85-8F87E3B5FFC0}"/>
-              </a:ext>
-            </a:extLst>
-          </p:cNvPr>
-          <p:cNvSpPr txBox="1"/>
-          <p:nvPr/>
-        </p:nvSpPr>
-        <p:spPr>
-          <a:xfrm>
-            <a:off x="577238" y="1431509"/>
-            <a:ext cx="4819742" cy="2677656"/>
-          </a:xfrm>
-          <a:prstGeom prst="rect">
-            <a:avLst/>
-          </a:prstGeom>
-          <a:noFill/>
-        </p:spPr>
-        <p:txBody>
-          <a:bodyPr wrap="square" rtlCol="0">
-            <a:spAutoFit/>
-          </a:bodyPr>
-          <a:lstStyle/>
-          <a:p>
-            <a:pPr algn="l"/>
-            <a:r>
-              <a:rPr lang="en-US" altLang="zh-CN" b="0" i="0" dirty="0">
-                <a:solidFill>
-                  <a:srgbClr val="4D5156"/>
-                </a:solidFill>
-                <a:effectLst/>
-                <a:latin typeface="arial" panose="020B0604020202020204" pitchFamily="34" charset="0"/>
-              </a:rPr>
-              <a:t>	</a:t>
-            </a:r>
-            <a:r>
-              <a:rPr lang="zh-CN" altLang="en-US" b="0" i="0" dirty="0">
-                <a:solidFill>
-                  <a:srgbClr val="4D5156"/>
-                </a:solidFill>
-                <a:effectLst/>
-                <a:latin typeface="arial" panose="020B0604020202020204" pitchFamily="34" charset="0"/>
-              </a:rPr>
-              <a:t>中国科学院计算所在</a:t>
-            </a:r>
-            <a:r>
-              <a:rPr lang="en-US" altLang="zh-CN" b="0" i="0" dirty="0">
-                <a:solidFill>
-                  <a:srgbClr val="4D5156"/>
-                </a:solidFill>
-                <a:effectLst/>
-                <a:latin typeface="arial" panose="020B0604020202020204" pitchFamily="34" charset="0"/>
-              </a:rPr>
-              <a:t>2020</a:t>
-            </a:r>
-            <a:r>
-              <a:rPr lang="zh-CN" altLang="en-US" b="0" i="0" dirty="0">
-                <a:solidFill>
-                  <a:srgbClr val="4D5156"/>
-                </a:solidFill>
-                <a:effectLst/>
-                <a:latin typeface="arial" panose="020B0604020202020204" pitchFamily="34" charset="0"/>
-              </a:rPr>
-              <a:t>年发布“香山”高性能</a:t>
-            </a:r>
-            <a:r>
-              <a:rPr lang="en-US" altLang="zh-CN" b="0" i="0" dirty="0">
-                <a:solidFill>
-                  <a:srgbClr val="4D5156"/>
-                </a:solidFill>
-                <a:effectLst/>
-                <a:latin typeface="arial" panose="020B0604020202020204" pitchFamily="34" charset="0"/>
-              </a:rPr>
-              <a:t>RISC-V</a:t>
-            </a:r>
-            <a:r>
-              <a:rPr lang="zh-CN" altLang="en-US" b="0" i="0" dirty="0">
-                <a:solidFill>
-                  <a:srgbClr val="4D5156"/>
-                </a:solidFill>
-                <a:effectLst/>
-                <a:latin typeface="arial" panose="020B0604020202020204" pitchFamily="34" charset="0"/>
-              </a:rPr>
-              <a:t>处理器开源项目，香山以</a:t>
-            </a:r>
-            <a:r>
-              <a:rPr lang="en-US" altLang="zh-CN" b="0" i="0" dirty="0">
-                <a:solidFill>
-                  <a:srgbClr val="4D5156"/>
-                </a:solidFill>
-                <a:effectLst/>
-                <a:latin typeface="arial" panose="020B0604020202020204" pitchFamily="34" charset="0"/>
-              </a:rPr>
-              <a:t>Chisel</a:t>
-            </a:r>
-            <a:r>
-              <a:rPr lang="zh-CN" altLang="en-US" b="0" i="0" dirty="0">
-                <a:solidFill>
-                  <a:srgbClr val="4D5156"/>
-                </a:solidFill>
-                <a:effectLst/>
-                <a:latin typeface="arial" panose="020B0604020202020204" pitchFamily="34" charset="0"/>
-              </a:rPr>
-              <a:t>硬件描述语言开发。</a:t>
-            </a:r>
-            <a:endParaRPr lang="en-US" altLang="zh-CN" b="0" i="0" dirty="0">
-              <a:solidFill>
-                <a:srgbClr val="4D5156"/>
-              </a:solidFill>
-              <a:effectLst/>
-              <a:latin typeface="arial" panose="020B0604020202020204" pitchFamily="34" charset="0"/>
-            </a:endParaRPr>
-          </a:p>
-          <a:p>
-            <a:pPr algn="l"/>
-            <a:r>
-              <a:rPr lang="en-US" altLang="zh-CN" b="0" dirty="0">
-                <a:solidFill>
-                  <a:srgbClr val="4D5156"/>
-                </a:solidFill>
-                <a:latin typeface="arial" panose="020B0604020202020204" pitchFamily="34" charset="0"/>
-              </a:rPr>
-              <a:t>	</a:t>
-            </a:r>
-            <a:r>
-              <a:rPr lang="zh-CN" altLang="en-US" b="0" i="0" dirty="0">
-                <a:solidFill>
-                  <a:srgbClr val="4D5156"/>
-                </a:solidFill>
-                <a:effectLst/>
-                <a:latin typeface="arial" panose="020B0604020202020204" pitchFamily="34" charset="0"/>
-              </a:rPr>
-              <a:t>第一版“雁栖湖架构”使用台积电的</a:t>
-            </a:r>
-            <a:r>
-              <a:rPr lang="en-US" altLang="zh-CN" b="0" i="0" dirty="0">
-                <a:solidFill>
-                  <a:srgbClr val="4D5156"/>
-                </a:solidFill>
-                <a:effectLst/>
-                <a:latin typeface="arial" panose="020B0604020202020204" pitchFamily="34" charset="0"/>
-              </a:rPr>
-              <a:t>28nm</a:t>
-            </a:r>
-            <a:r>
-              <a:rPr lang="zh-CN" altLang="en-US" b="0" i="0" dirty="0">
-                <a:solidFill>
-                  <a:srgbClr val="4D5156"/>
-                </a:solidFill>
-                <a:effectLst/>
-                <a:latin typeface="arial" panose="020B0604020202020204" pitchFamily="34" charset="0"/>
-              </a:rPr>
-              <a:t>制程，工作频率为</a:t>
-            </a:r>
-            <a:r>
-              <a:rPr lang="en-US" altLang="zh-CN" b="0" i="0" dirty="0">
-                <a:solidFill>
-                  <a:srgbClr val="4D5156"/>
-                </a:solidFill>
-                <a:effectLst/>
-                <a:latin typeface="arial" panose="020B0604020202020204" pitchFamily="34" charset="0"/>
-              </a:rPr>
-              <a:t>1.3GHz</a:t>
-            </a:r>
-            <a:r>
-              <a:rPr lang="zh-CN" altLang="en-US" b="0" i="0" dirty="0">
-                <a:solidFill>
-                  <a:srgbClr val="4D5156"/>
-                </a:solidFill>
-                <a:effectLst/>
-                <a:latin typeface="arial" panose="020B0604020202020204" pitchFamily="34" charset="0"/>
-              </a:rPr>
-              <a:t>。</a:t>
-            </a:r>
-            <a:endParaRPr lang="en-US" dirty="0"/>
-          </a:p>
-        </p:txBody>
-      </p:sp>
     </p:spTree>
     <p:extLst>
       <p:ext uri="{BB962C8B-B14F-4D97-AF65-F5344CB8AC3E}">
-        <p14:creationId xmlns:p14="http://schemas.microsoft.com/office/powerpoint/2010/main" val="4028939131"/>
+        <p14:creationId xmlns:p14="http://schemas.microsoft.com/office/powerpoint/2010/main" val="188437736"/>
       </p:ext>
     </p:extLst>
   </p:cSld>
@@ -12433,7 +11860,7 @@
           <p:cNvPr id="2" name="标题 1">
             <a:extLst>
               <a:ext uri="{FF2B5EF4-FFF2-40B4-BE49-F238E27FC236}">
-                <a16:creationId xmlns:a16="http://schemas.microsoft.com/office/drawing/2014/main" id="{4621580D-6480-A80D-AD26-847470B6683F}"/>
+                <a16:creationId xmlns:a16="http://schemas.microsoft.com/office/drawing/2014/main" id="{401CB407-F6B9-27BB-03DC-02C2049BC47C}"/>
               </a:ext>
             </a:extLst>
           </p:cNvPr>
@@ -12449,16 +11876,84 @@
           <a:bodyPr/>
           <a:lstStyle/>
           <a:p>
-            <a:endParaRPr lang="en-US"/>
-          </a:p>
-        </p:txBody>
-      </p:sp>
+            <a:pPr algn="ctr"/>
+            <a:r>
+              <a:rPr lang="en-US" dirty="0">
+                <a:effectLst>
+                  <a:outerShdw blurRad="38100" dist="38100" dir="2700000" algn="tl">
+                    <a:srgbClr val="000000">
+                      <a:alpha val="43137"/>
+                    </a:srgbClr>
+                  </a:outerShdw>
+                </a:effectLst>
+              </a:rPr>
+              <a:t>RISC-V</a:t>
+            </a:r>
+            <a:r>
+              <a:rPr lang="zh-CN" altLang="en-US" dirty="0">
+                <a:effectLst>
+                  <a:outerShdw blurRad="38100" dist="38100" dir="2700000" algn="tl">
+                    <a:srgbClr val="000000">
+                      <a:alpha val="43137"/>
+                    </a:srgbClr>
+                  </a:outerShdw>
+                </a:effectLst>
+              </a:rPr>
+              <a:t>在中国</a:t>
+            </a:r>
+            <a:endParaRPr lang="en-US" dirty="0">
+              <a:effectLst>
+                <a:outerShdw blurRad="38100" dist="38100" dir="2700000" algn="tl">
+                  <a:srgbClr val="000000">
+                    <a:alpha val="43137"/>
+                  </a:srgbClr>
+                </a:outerShdw>
+              </a:effectLst>
+            </a:endParaRPr>
+          </a:p>
+        </p:txBody>
+      </p:sp>
+      <p:pic>
+        <p:nvPicPr>
+          <p:cNvPr id="6" name="内容占位符 5" descr="电子设备的屏幕&#10;&#10;描述已自动生成">
+            <a:extLst>
+              <a:ext uri="{FF2B5EF4-FFF2-40B4-BE49-F238E27FC236}">
+                <a16:creationId xmlns:a16="http://schemas.microsoft.com/office/drawing/2014/main" id="{BE2F8C4B-DB6A-0C36-8870-14C5D4168AD7}"/>
+              </a:ext>
+            </a:extLst>
+          </p:cNvPr>
+          <p:cNvPicPr>
+            <a:picLocks noGrp="1" noChangeAspect="1"/>
+          </p:cNvPicPr>
+          <p:nvPr>
+            <p:ph idx="1"/>
+          </p:nvPr>
+        </p:nvPicPr>
+        <p:blipFill>
+          <a:blip r:embed="rId2">
+            <a:extLst>
+              <a:ext uri="{28A0092B-C50C-407E-A947-70E740481C1C}">
+                <a14:useLocalDpi xmlns:a14="http://schemas.microsoft.com/office/drawing/2010/main" val="0"/>
+              </a:ext>
+            </a:extLst>
+          </a:blip>
+          <a:stretch>
+            <a:fillRect/>
+          </a:stretch>
+        </p:blipFill>
+        <p:spPr>
+          <a:xfrm>
+            <a:off x="5889104" y="1370407"/>
+            <a:ext cx="3447765" cy="4608513"/>
+          </a:xfrm>
+        </p:spPr>
+      </p:pic>
       <p:sp>
         <p:nvSpPr>
           <p:cNvPr id="4" name="灯片编号占位符 3">
             <a:extLst>
               <a:ext uri="{FF2B5EF4-FFF2-40B4-BE49-F238E27FC236}">
-                <a16:creationId xmlns:a16="http://schemas.microsoft.com/office/drawing/2014/main" id="{8B31FEF7-4ADA-D2B3-7828-FC25DCD1AACF}"/>
+                <a16:creationId xmlns:a16="http://schemas.microsoft.com/office/drawing/2014/main" id="{B9B2E493-6822-D58A-E291-9B2A790CB9CD}"/>
               </a:ext>
             </a:extLst>
           </p:cNvPr>
@@ -12483,6 +11978,802 @@
                 <a:defRPr/>
               </a:pPr>
               <a:t>25</a:t>
+            </a:fld>
+            <a:endParaRPr lang="en-US" altLang="zh-CN"/>
+          </a:p>
+        </p:txBody>
+      </p:sp>
+      <p:sp>
+        <p:nvSpPr>
+          <p:cNvPr id="7" name="文本框 6">
+            <a:extLst>
+              <a:ext uri="{FF2B5EF4-FFF2-40B4-BE49-F238E27FC236}">
+                <a16:creationId xmlns:a16="http://schemas.microsoft.com/office/drawing/2014/main" id="{9C7F9CD6-D33A-C9E2-152D-133EE81B819D}"/>
+              </a:ext>
+            </a:extLst>
+          </p:cNvPr>
+          <p:cNvSpPr txBox="1"/>
+          <p:nvPr/>
+        </p:nvSpPr>
+        <p:spPr>
+          <a:xfrm>
+            <a:off x="577238" y="1431509"/>
+            <a:ext cx="4819742" cy="4893647"/>
+          </a:xfrm>
+          <a:prstGeom prst="rect">
+            <a:avLst/>
+          </a:prstGeom>
+          <a:noFill/>
+        </p:spPr>
+        <p:txBody>
+          <a:bodyPr wrap="square" rtlCol="0">
+            <a:spAutoFit/>
+          </a:bodyPr>
+          <a:lstStyle/>
+          <a:p>
+            <a:pPr algn="l"/>
+            <a:r>
+              <a:rPr lang="en-US" altLang="zh-CN" b="0" i="0" dirty="0">
+                <a:solidFill>
+                  <a:srgbClr val="4D5156"/>
+                </a:solidFill>
+                <a:effectLst/>
+                <a:latin typeface="arial" panose="020B0604020202020204" pitchFamily="34" charset="0"/>
+              </a:rPr>
+              <a:t>	</a:t>
+            </a:r>
+            <a:r>
+              <a:rPr lang="zh-CN" altLang="en-US" b="0" i="0" dirty="0">
+                <a:solidFill>
+                  <a:srgbClr val="4D5156"/>
+                </a:solidFill>
+                <a:effectLst/>
+                <a:latin typeface="arial" panose="020B0604020202020204" pitchFamily="34" charset="0"/>
+              </a:rPr>
+              <a:t>阿里巴巴旗下半导体公司平头哥发布了它的首款 </a:t>
+            </a:r>
+            <a:r>
+              <a:rPr lang="en-US" altLang="zh-CN" b="0" i="0" dirty="0">
+                <a:solidFill>
+                  <a:srgbClr val="4D5156"/>
+                </a:solidFill>
+                <a:effectLst/>
+                <a:latin typeface="arial" panose="020B0604020202020204" pitchFamily="34" charset="0"/>
+              </a:rPr>
+              <a:t>RISC-V </a:t>
+            </a:r>
+            <a:r>
+              <a:rPr lang="zh-CN" altLang="en-US" b="0" i="0" dirty="0">
+                <a:solidFill>
+                  <a:srgbClr val="4D5156"/>
+                </a:solidFill>
+                <a:effectLst/>
+                <a:latin typeface="arial" panose="020B0604020202020204" pitchFamily="34" charset="0"/>
+              </a:rPr>
+              <a:t>处理器“玄铁 </a:t>
+            </a:r>
+            <a:r>
+              <a:rPr lang="en-US" altLang="zh-CN" b="0" i="0" dirty="0">
+                <a:solidFill>
+                  <a:srgbClr val="4D5156"/>
+                </a:solidFill>
+                <a:effectLst/>
+                <a:latin typeface="arial" panose="020B0604020202020204" pitchFamily="34" charset="0"/>
+              </a:rPr>
+              <a:t>910”</a:t>
+            </a:r>
+            <a:r>
+              <a:rPr lang="zh-CN" altLang="en-US" b="0" i="0" dirty="0">
+                <a:solidFill>
+                  <a:srgbClr val="4D5156"/>
+                </a:solidFill>
+                <a:effectLst/>
+                <a:latin typeface="arial" panose="020B0604020202020204" pitchFamily="34" charset="0"/>
+              </a:rPr>
+              <a:t>（</a:t>
+            </a:r>
+            <a:r>
+              <a:rPr lang="en-US" altLang="zh-CN" b="0" i="0" dirty="0">
+                <a:solidFill>
+                  <a:srgbClr val="4D5156"/>
+                </a:solidFill>
+                <a:effectLst/>
+                <a:latin typeface="arial" panose="020B0604020202020204" pitchFamily="34" charset="0"/>
+              </a:rPr>
+              <a:t>XuanTie910</a:t>
+            </a:r>
+            <a:r>
+              <a:rPr lang="zh-CN" altLang="en-US" b="0" i="0" dirty="0">
+                <a:solidFill>
+                  <a:srgbClr val="4D5156"/>
+                </a:solidFill>
+                <a:effectLst/>
+                <a:latin typeface="arial" panose="020B0604020202020204" pitchFamily="34" charset="0"/>
+              </a:rPr>
+              <a:t>）。</a:t>
+            </a:r>
+            <a:endParaRPr lang="en-US" altLang="zh-CN" b="0" i="0" dirty="0">
+              <a:solidFill>
+                <a:srgbClr val="4D5156"/>
+              </a:solidFill>
+              <a:effectLst/>
+              <a:latin typeface="arial" panose="020B0604020202020204" pitchFamily="34" charset="0"/>
+            </a:endParaRPr>
+          </a:p>
+          <a:p>
+            <a:pPr algn="l"/>
+            <a:r>
+              <a:rPr lang="en-US" altLang="zh-CN" b="0" i="0" dirty="0">
+                <a:solidFill>
+                  <a:srgbClr val="4D5156"/>
+                </a:solidFill>
+                <a:effectLst/>
+                <a:latin typeface="arial" panose="020B0604020202020204" pitchFamily="34" charset="0"/>
+              </a:rPr>
+              <a:t>	</a:t>
+            </a:r>
+            <a:r>
+              <a:rPr lang="zh-CN" altLang="en-US" b="0" i="0" dirty="0">
+                <a:solidFill>
+                  <a:srgbClr val="4D5156"/>
+                </a:solidFill>
+                <a:effectLst/>
+                <a:latin typeface="arial" panose="020B0604020202020204" pitchFamily="34" charset="0"/>
+              </a:rPr>
+              <a:t>阿里巴巴称它是目前性能最强的 </a:t>
+            </a:r>
+            <a:r>
+              <a:rPr lang="en-US" altLang="zh-CN" b="0" i="0" dirty="0">
+                <a:solidFill>
+                  <a:srgbClr val="4D5156"/>
+                </a:solidFill>
+                <a:effectLst/>
+                <a:latin typeface="arial" panose="020B0604020202020204" pitchFamily="34" charset="0"/>
+              </a:rPr>
+              <a:t>RISC-V </a:t>
+            </a:r>
+            <a:r>
+              <a:rPr lang="zh-CN" altLang="en-US" b="0" i="0" dirty="0">
+                <a:solidFill>
+                  <a:srgbClr val="4D5156"/>
+                </a:solidFill>
+                <a:effectLst/>
+                <a:latin typeface="arial" panose="020B0604020202020204" pitchFamily="34" charset="0"/>
+              </a:rPr>
+              <a:t>处理器，支持</a:t>
+            </a:r>
+            <a:r>
+              <a:rPr lang="en-US" altLang="zh-CN" b="0" i="0" dirty="0">
+                <a:solidFill>
+                  <a:srgbClr val="4D5156"/>
+                </a:solidFill>
+                <a:effectLst/>
+                <a:latin typeface="arial" panose="020B0604020202020204" pitchFamily="34" charset="0"/>
+              </a:rPr>
+              <a:t>16</a:t>
+            </a:r>
+            <a:r>
+              <a:rPr lang="zh-CN" altLang="en-US" b="0" i="0" dirty="0">
+                <a:solidFill>
+                  <a:srgbClr val="4D5156"/>
+                </a:solidFill>
+                <a:effectLst/>
+                <a:latin typeface="arial" panose="020B0604020202020204" pitchFamily="34" charset="0"/>
+              </a:rPr>
+              <a:t>核，主频 </a:t>
+            </a:r>
+            <a:r>
+              <a:rPr lang="en-US" altLang="zh-CN" b="0" i="0" dirty="0">
+                <a:solidFill>
+                  <a:srgbClr val="4D5156"/>
+                </a:solidFill>
+                <a:effectLst/>
+                <a:latin typeface="arial" panose="020B0604020202020204" pitchFamily="34" charset="0"/>
+              </a:rPr>
+              <a:t>2.5GHz</a:t>
+            </a:r>
+            <a:r>
+              <a:rPr lang="zh-CN" altLang="en-US" b="0" i="0" dirty="0">
+                <a:solidFill>
+                  <a:srgbClr val="4D5156"/>
+                </a:solidFill>
+                <a:effectLst/>
+                <a:latin typeface="arial" panose="020B0604020202020204" pitchFamily="34" charset="0"/>
+              </a:rPr>
+              <a:t>，单核性能达到 </a:t>
+            </a:r>
+            <a:r>
+              <a:rPr lang="en-US" altLang="zh-CN" b="0" i="0" dirty="0">
+                <a:solidFill>
+                  <a:srgbClr val="4D5156"/>
+                </a:solidFill>
+                <a:effectLst/>
+                <a:latin typeface="arial" panose="020B0604020202020204" pitchFamily="34" charset="0"/>
+              </a:rPr>
+              <a:t>7.1 Coremark/MHz</a:t>
+            </a:r>
+          </a:p>
+          <a:p>
+            <a:pPr algn="l"/>
+            <a:r>
+              <a:rPr lang="en-US" altLang="zh-CN" b="0" dirty="0">
+                <a:solidFill>
+                  <a:srgbClr val="4D5156"/>
+                </a:solidFill>
+                <a:latin typeface="arial" panose="020B0604020202020204" pitchFamily="34" charset="0"/>
+              </a:rPr>
+              <a:t>	</a:t>
+            </a:r>
+            <a:r>
+              <a:rPr lang="zh-CN" altLang="en-US" b="0" dirty="0">
+                <a:solidFill>
+                  <a:srgbClr val="4D5156"/>
+                </a:solidFill>
+                <a:latin typeface="arial" panose="020B0604020202020204" pitchFamily="34" charset="0"/>
+              </a:rPr>
+              <a:t>是业界首个实现每周期 </a:t>
+            </a:r>
+            <a:r>
+              <a:rPr lang="en-US" altLang="zh-CN" b="0" dirty="0">
+                <a:solidFill>
+                  <a:srgbClr val="4D5156"/>
+                </a:solidFill>
+                <a:latin typeface="arial" panose="020B0604020202020204" pitchFamily="34" charset="0"/>
+              </a:rPr>
+              <a:t>2 </a:t>
+            </a:r>
+            <a:r>
+              <a:rPr lang="zh-CN" altLang="en-US" b="0" dirty="0">
+                <a:solidFill>
+                  <a:srgbClr val="4D5156"/>
+                </a:solidFill>
+                <a:latin typeface="arial" panose="020B0604020202020204" pitchFamily="34" charset="0"/>
+              </a:rPr>
+              <a:t>条内存访问的 </a:t>
+            </a:r>
+            <a:r>
+              <a:rPr lang="en-US" altLang="zh-CN" b="0" dirty="0">
+                <a:solidFill>
+                  <a:srgbClr val="4D5156"/>
+                </a:solidFill>
+                <a:latin typeface="arial" panose="020B0604020202020204" pitchFamily="34" charset="0"/>
+              </a:rPr>
+              <a:t>RISC-V </a:t>
+            </a:r>
+            <a:r>
+              <a:rPr lang="zh-CN" altLang="en-US" b="0" dirty="0">
+                <a:solidFill>
+                  <a:srgbClr val="4D5156"/>
+                </a:solidFill>
+                <a:latin typeface="arial" panose="020B0604020202020204" pitchFamily="34" charset="0"/>
+              </a:rPr>
+              <a:t>处理器；二是它基于 </a:t>
+            </a:r>
+            <a:r>
+              <a:rPr lang="en-US" altLang="zh-CN" b="0" dirty="0">
+                <a:solidFill>
+                  <a:srgbClr val="4D5156"/>
+                </a:solidFill>
+                <a:latin typeface="arial" panose="020B0604020202020204" pitchFamily="34" charset="0"/>
+              </a:rPr>
+              <a:t>RISC-V </a:t>
+            </a:r>
+            <a:r>
+              <a:rPr lang="zh-CN" altLang="en-US" b="0" dirty="0">
+                <a:solidFill>
+                  <a:srgbClr val="4D5156"/>
+                </a:solidFill>
+                <a:latin typeface="arial" panose="020B0604020202020204" pitchFamily="34" charset="0"/>
+              </a:rPr>
+              <a:t>扩展了 </a:t>
+            </a:r>
+            <a:r>
+              <a:rPr lang="en-US" altLang="zh-CN" b="0" dirty="0">
+                <a:solidFill>
+                  <a:srgbClr val="4D5156"/>
+                </a:solidFill>
+                <a:latin typeface="arial" panose="020B0604020202020204" pitchFamily="34" charset="0"/>
+              </a:rPr>
+              <a:t>50 </a:t>
+            </a:r>
+            <a:r>
+              <a:rPr lang="zh-CN" altLang="en-US" b="0" dirty="0">
+                <a:solidFill>
+                  <a:srgbClr val="4D5156"/>
+                </a:solidFill>
+                <a:latin typeface="arial" panose="020B0604020202020204" pitchFamily="34" charset="0"/>
+              </a:rPr>
+              <a:t>余条指令，系统性增强了 </a:t>
+            </a:r>
+            <a:r>
+              <a:rPr lang="en-US" altLang="zh-CN" b="0" dirty="0">
+                <a:solidFill>
+                  <a:srgbClr val="4D5156"/>
+                </a:solidFill>
+                <a:latin typeface="arial" panose="020B0604020202020204" pitchFamily="34" charset="0"/>
+              </a:rPr>
+              <a:t>RISC-V </a:t>
+            </a:r>
+            <a:r>
+              <a:rPr lang="zh-CN" altLang="en-US" b="0" dirty="0">
+                <a:solidFill>
+                  <a:srgbClr val="4D5156"/>
+                </a:solidFill>
+                <a:latin typeface="arial" panose="020B0604020202020204" pitchFamily="34" charset="0"/>
+              </a:rPr>
+              <a:t>的计算、存储和多核等方面能力。</a:t>
+            </a:r>
+            <a:endParaRPr lang="en-US" b="0" dirty="0">
+              <a:solidFill>
+                <a:srgbClr val="4D5156"/>
+              </a:solidFill>
+              <a:latin typeface="arial" panose="020B0604020202020204" pitchFamily="34" charset="0"/>
+            </a:endParaRPr>
+          </a:p>
+          <a:p>
+            <a:pPr algn="l"/>
+            <a:endParaRPr lang="en-US" dirty="0"/>
+          </a:p>
+        </p:txBody>
+      </p:sp>
+    </p:spTree>
+    <p:extLst>
+      <p:ext uri="{BB962C8B-B14F-4D97-AF65-F5344CB8AC3E}">
+        <p14:creationId xmlns:p14="http://schemas.microsoft.com/office/powerpoint/2010/main" val="1065626816"/>
+      </p:ext>
+    </p:extLst>
+  </p:cSld>
+  <p:clrMapOvr>
+    <a:masterClrMapping/>
+  </p:clrMapOvr>
+  <p:transition/>
+</p:sld>
+</file>
+
+<file path=ppt/slides/slide26.xml><?xml version="1.0" encoding="utf-8"?>
+<p:sld xmlns:a="http://schemas.openxmlformats.org/drawingml/2006/main" xmlns:r="http://schemas.openxmlformats.org/officeDocument/2006/relationships" xmlns:p="http://schemas.openxmlformats.org/presentationml/2006/main">
+  <p:cSld>
+    <p:spTree>
+      <p:nvGrpSpPr>
+        <p:cNvPr id="1" name=""/>
+        <p:cNvGrpSpPr/>
+        <p:nvPr/>
+      </p:nvGrpSpPr>
+      <p:grpSpPr>
+        <a:xfrm>
+          <a:off x="0" y="0"/>
+          <a:ext cx="0" cy="0"/>
+          <a:chOff x="0" y="0"/>
+          <a:chExt cx="0" cy="0"/>
+        </a:xfrm>
+      </p:grpSpPr>
+      <p:sp>
+        <p:nvSpPr>
+          <p:cNvPr id="2" name="标题 1">
+            <a:extLst>
+              <a:ext uri="{FF2B5EF4-FFF2-40B4-BE49-F238E27FC236}">
+                <a16:creationId xmlns:a16="http://schemas.microsoft.com/office/drawing/2014/main" id="{401CB407-F6B9-27BB-03DC-02C2049BC47C}"/>
+              </a:ext>
+            </a:extLst>
+          </p:cNvPr>
+          <p:cNvSpPr>
+            <a:spLocks noGrp="1"/>
+          </p:cNvSpPr>
+          <p:nvPr>
+            <p:ph type="title"/>
+          </p:nvPr>
+        </p:nvSpPr>
+        <p:spPr/>
+        <p:txBody>
+          <a:bodyPr/>
+          <a:lstStyle/>
+          <a:p>
+            <a:pPr algn="ctr"/>
+            <a:r>
+              <a:rPr lang="en-US" dirty="0">
+                <a:effectLst>
+                  <a:outerShdw blurRad="38100" dist="38100" dir="2700000" algn="tl">
+                    <a:srgbClr val="000000">
+                      <a:alpha val="43137"/>
+                    </a:srgbClr>
+                  </a:outerShdw>
+                </a:effectLst>
+              </a:rPr>
+              <a:t>RISC-V</a:t>
+            </a:r>
+            <a:r>
+              <a:rPr lang="zh-CN" altLang="en-US" dirty="0">
+                <a:effectLst>
+                  <a:outerShdw blurRad="38100" dist="38100" dir="2700000" algn="tl">
+                    <a:srgbClr val="000000">
+                      <a:alpha val="43137"/>
+                    </a:srgbClr>
+                  </a:outerShdw>
+                </a:effectLst>
+              </a:rPr>
+              <a:t>在中国</a:t>
+            </a:r>
+            <a:endParaRPr lang="en-US" dirty="0">
+              <a:effectLst>
+                <a:outerShdw blurRad="38100" dist="38100" dir="2700000" algn="tl">
+                  <a:srgbClr val="000000">
+                    <a:alpha val="43137"/>
+                  </a:srgbClr>
+                </a:outerShdw>
+              </a:effectLst>
+            </a:endParaRPr>
+          </a:p>
+        </p:txBody>
+      </p:sp>
+      <p:pic>
+        <p:nvPicPr>
+          <p:cNvPr id="6" name="内容占位符 5">
+            <a:extLst>
+              <a:ext uri="{FF2B5EF4-FFF2-40B4-BE49-F238E27FC236}">
+                <a16:creationId xmlns:a16="http://schemas.microsoft.com/office/drawing/2014/main" id="{BE2F8C4B-DB6A-0C36-8870-14C5D4168AD7}"/>
+              </a:ext>
+            </a:extLst>
+          </p:cNvPr>
+          <p:cNvPicPr>
+            <a:picLocks noGrp="1" noChangeAspect="1"/>
+          </p:cNvPicPr>
+          <p:nvPr>
+            <p:ph idx="1"/>
+          </p:nvPr>
+        </p:nvPicPr>
+        <p:blipFill>
+          <a:blip r:embed="rId2">
+            <a:extLst>
+              <a:ext uri="{28A0092B-C50C-407E-A947-70E740481C1C}">
+                <a14:useLocalDpi xmlns:a14="http://schemas.microsoft.com/office/drawing/2010/main" val="0"/>
+              </a:ext>
+            </a:extLst>
+          </a:blip>
+          <a:srcRect/>
+          <a:stretch/>
+        </p:blipFill>
+        <p:spPr>
+          <a:xfrm>
+            <a:off x="5889104" y="1376854"/>
+            <a:ext cx="3447765" cy="4595618"/>
+          </a:xfrm>
+        </p:spPr>
+      </p:pic>
+      <p:sp>
+        <p:nvSpPr>
+          <p:cNvPr id="4" name="灯片编号占位符 3">
+            <a:extLst>
+              <a:ext uri="{FF2B5EF4-FFF2-40B4-BE49-F238E27FC236}">
+                <a16:creationId xmlns:a16="http://schemas.microsoft.com/office/drawing/2014/main" id="{B9B2E493-6822-D58A-E291-9B2A790CB9CD}"/>
+              </a:ext>
+            </a:extLst>
+          </p:cNvPr>
+          <p:cNvSpPr>
+            <a:spLocks noGrp="1"/>
+          </p:cNvSpPr>
+          <p:nvPr>
+            <p:ph type="sldNum" sz="quarter" idx="12"/>
+          </p:nvPr>
+        </p:nvSpPr>
+        <p:spPr/>
+        <p:txBody>
+          <a:bodyPr/>
+          <a:lstStyle/>
+          <a:p>
+            <a:pPr>
+              <a:defRPr/>
+            </a:pPr>
+            <a:fld id="{581DD3E0-5F7C-46B2-AE3F-E81668104769}" type="slidenum">
+              <a:rPr lang="en-US" altLang="zh-CN" smtClean="0"/>
+              <a:pPr>
+                <a:defRPr/>
+              </a:pPr>
+              <a:t>26</a:t>
+            </a:fld>
+            <a:endParaRPr lang="en-US" altLang="zh-CN"/>
+          </a:p>
+        </p:txBody>
+      </p:sp>
+      <p:sp>
+        <p:nvSpPr>
+          <p:cNvPr id="3" name="文本框 2">
+            <a:extLst>
+              <a:ext uri="{FF2B5EF4-FFF2-40B4-BE49-F238E27FC236}">
+                <a16:creationId xmlns:a16="http://schemas.microsoft.com/office/drawing/2014/main" id="{E5E9FBF3-1E85-4532-2430-E43B0CCE0323}"/>
+              </a:ext>
+            </a:extLst>
+          </p:cNvPr>
+          <p:cNvSpPr txBox="1"/>
+          <p:nvPr/>
+        </p:nvSpPr>
+        <p:spPr>
+          <a:xfrm>
+            <a:off x="1141370" y="1844824"/>
+            <a:ext cx="184731" cy="461665"/>
+          </a:xfrm>
+          <a:prstGeom prst="rect">
+            <a:avLst/>
+          </a:prstGeom>
+          <a:noFill/>
+        </p:spPr>
+        <p:txBody>
+          <a:bodyPr wrap="none" rtlCol="0">
+            <a:spAutoFit/>
+          </a:bodyPr>
+          <a:lstStyle/>
+          <a:p>
+            <a:endParaRPr lang="en-US" dirty="0"/>
+          </a:p>
+        </p:txBody>
+      </p:sp>
+      <p:sp>
+        <p:nvSpPr>
+          <p:cNvPr id="8" name="文本框 7">
+            <a:extLst>
+              <a:ext uri="{FF2B5EF4-FFF2-40B4-BE49-F238E27FC236}">
+                <a16:creationId xmlns:a16="http://schemas.microsoft.com/office/drawing/2014/main" id="{E0A574C5-ABA8-EC86-EF85-8F87E3B5FFC0}"/>
+              </a:ext>
+            </a:extLst>
+          </p:cNvPr>
+          <p:cNvSpPr txBox="1"/>
+          <p:nvPr/>
+        </p:nvSpPr>
+        <p:spPr>
+          <a:xfrm>
+            <a:off x="577238" y="1431509"/>
+            <a:ext cx="4819742" cy="2677656"/>
+          </a:xfrm>
+          <a:prstGeom prst="rect">
+            <a:avLst/>
+          </a:prstGeom>
+          <a:noFill/>
+        </p:spPr>
+        <p:txBody>
+          <a:bodyPr wrap="square" rtlCol="0">
+            <a:spAutoFit/>
+          </a:bodyPr>
+          <a:lstStyle/>
+          <a:p>
+            <a:pPr algn="l"/>
+            <a:r>
+              <a:rPr lang="en-US" altLang="zh-CN" b="0" i="0" dirty="0">
+                <a:solidFill>
+                  <a:srgbClr val="4D5156"/>
+                </a:solidFill>
+                <a:effectLst/>
+                <a:latin typeface="arial" panose="020B0604020202020204" pitchFamily="34" charset="0"/>
+              </a:rPr>
+              <a:t>	</a:t>
+            </a:r>
+            <a:r>
+              <a:rPr lang="zh-CN" altLang="en-US" b="0" i="0" dirty="0">
+                <a:solidFill>
+                  <a:srgbClr val="4D5156"/>
+                </a:solidFill>
+                <a:effectLst/>
+                <a:latin typeface="arial" panose="020B0604020202020204" pitchFamily="34" charset="0"/>
+              </a:rPr>
+              <a:t>中国科学院计算所在</a:t>
+            </a:r>
+            <a:r>
+              <a:rPr lang="en-US" altLang="zh-CN" b="0" i="0" dirty="0">
+                <a:solidFill>
+                  <a:srgbClr val="4D5156"/>
+                </a:solidFill>
+                <a:effectLst/>
+                <a:latin typeface="arial" panose="020B0604020202020204" pitchFamily="34" charset="0"/>
+              </a:rPr>
+              <a:t>2020</a:t>
+            </a:r>
+            <a:r>
+              <a:rPr lang="zh-CN" altLang="en-US" b="0" i="0" dirty="0">
+                <a:solidFill>
+                  <a:srgbClr val="4D5156"/>
+                </a:solidFill>
+                <a:effectLst/>
+                <a:latin typeface="arial" panose="020B0604020202020204" pitchFamily="34" charset="0"/>
+              </a:rPr>
+              <a:t>年发布“香山”高性能</a:t>
+            </a:r>
+            <a:r>
+              <a:rPr lang="en-US" altLang="zh-CN" b="0" i="0" dirty="0">
+                <a:solidFill>
+                  <a:srgbClr val="4D5156"/>
+                </a:solidFill>
+                <a:effectLst/>
+                <a:latin typeface="arial" panose="020B0604020202020204" pitchFamily="34" charset="0"/>
+              </a:rPr>
+              <a:t>RISC-V</a:t>
+            </a:r>
+            <a:r>
+              <a:rPr lang="zh-CN" altLang="en-US" b="0" i="0" dirty="0">
+                <a:solidFill>
+                  <a:srgbClr val="4D5156"/>
+                </a:solidFill>
+                <a:effectLst/>
+                <a:latin typeface="arial" panose="020B0604020202020204" pitchFamily="34" charset="0"/>
+              </a:rPr>
+              <a:t>处理器开源项目，香山以</a:t>
+            </a:r>
+            <a:r>
+              <a:rPr lang="en-US" altLang="zh-CN" b="0" i="0" dirty="0">
+                <a:solidFill>
+                  <a:srgbClr val="4D5156"/>
+                </a:solidFill>
+                <a:effectLst/>
+                <a:latin typeface="arial" panose="020B0604020202020204" pitchFamily="34" charset="0"/>
+              </a:rPr>
+              <a:t>Chisel</a:t>
+            </a:r>
+            <a:r>
+              <a:rPr lang="zh-CN" altLang="en-US" b="0" i="0" dirty="0">
+                <a:solidFill>
+                  <a:srgbClr val="4D5156"/>
+                </a:solidFill>
+                <a:effectLst/>
+                <a:latin typeface="arial" panose="020B0604020202020204" pitchFamily="34" charset="0"/>
+              </a:rPr>
+              <a:t>硬件描述语言开发。</a:t>
+            </a:r>
+            <a:endParaRPr lang="en-US" altLang="zh-CN" b="0" i="0" dirty="0">
+              <a:solidFill>
+                <a:srgbClr val="4D5156"/>
+              </a:solidFill>
+              <a:effectLst/>
+              <a:latin typeface="arial" panose="020B0604020202020204" pitchFamily="34" charset="0"/>
+            </a:endParaRPr>
+          </a:p>
+          <a:p>
+            <a:pPr algn="l"/>
+            <a:r>
+              <a:rPr lang="en-US" altLang="zh-CN" b="0" dirty="0">
+                <a:solidFill>
+                  <a:srgbClr val="4D5156"/>
+                </a:solidFill>
+                <a:latin typeface="arial" panose="020B0604020202020204" pitchFamily="34" charset="0"/>
+              </a:rPr>
+              <a:t>	</a:t>
+            </a:r>
+            <a:r>
+              <a:rPr lang="zh-CN" altLang="en-US" b="0" i="0" dirty="0">
+                <a:solidFill>
+                  <a:srgbClr val="4D5156"/>
+                </a:solidFill>
+                <a:effectLst/>
+                <a:latin typeface="arial" panose="020B0604020202020204" pitchFamily="34" charset="0"/>
+              </a:rPr>
+              <a:t>第一版“雁栖湖架构”使用台积电的</a:t>
+            </a:r>
+            <a:r>
+              <a:rPr lang="en-US" altLang="zh-CN" b="0" i="0" dirty="0">
+                <a:solidFill>
+                  <a:srgbClr val="4D5156"/>
+                </a:solidFill>
+                <a:effectLst/>
+                <a:latin typeface="arial" panose="020B0604020202020204" pitchFamily="34" charset="0"/>
+              </a:rPr>
+              <a:t>28nm</a:t>
+            </a:r>
+            <a:r>
+              <a:rPr lang="zh-CN" altLang="en-US" b="0" i="0" dirty="0">
+                <a:solidFill>
+                  <a:srgbClr val="4D5156"/>
+                </a:solidFill>
+                <a:effectLst/>
+                <a:latin typeface="arial" panose="020B0604020202020204" pitchFamily="34" charset="0"/>
+              </a:rPr>
+              <a:t>制程，工作频率为</a:t>
+            </a:r>
+            <a:r>
+              <a:rPr lang="en-US" altLang="zh-CN" b="0" i="0" dirty="0">
+                <a:solidFill>
+                  <a:srgbClr val="4D5156"/>
+                </a:solidFill>
+                <a:effectLst/>
+                <a:latin typeface="arial" panose="020B0604020202020204" pitchFamily="34" charset="0"/>
+              </a:rPr>
+              <a:t>1.3GHz</a:t>
+            </a:r>
+            <a:r>
+              <a:rPr lang="zh-CN" altLang="en-US" b="0" i="0" dirty="0">
+                <a:solidFill>
+                  <a:srgbClr val="4D5156"/>
+                </a:solidFill>
+                <a:effectLst/>
+                <a:latin typeface="arial" panose="020B0604020202020204" pitchFamily="34" charset="0"/>
+              </a:rPr>
+              <a:t>。</a:t>
+            </a:r>
+            <a:endParaRPr lang="en-US" dirty="0"/>
+          </a:p>
+        </p:txBody>
+      </p:sp>
+    </p:spTree>
+    <p:extLst>
+      <p:ext uri="{BB962C8B-B14F-4D97-AF65-F5344CB8AC3E}">
+        <p14:creationId xmlns:p14="http://schemas.microsoft.com/office/powerpoint/2010/main" val="4028939131"/>
+      </p:ext>
+    </p:extLst>
+  </p:cSld>
+  <p:clrMapOvr>
+    <a:masterClrMapping/>
+  </p:clrMapOvr>
+  <p:transition/>
+</p:sld>
+</file>
+
+<file path=ppt/slides/slide27.xml><?xml version="1.0" encoding="utf-8"?>
+<p:sld xmlns:a="http://schemas.openxmlformats.org/drawingml/2006/main" xmlns:r="http://schemas.openxmlformats.org/officeDocument/2006/relationships" xmlns:p="http://schemas.openxmlformats.org/presentationml/2006/main">
+  <p:cSld>
+    <p:spTree>
+      <p:nvGrpSpPr>
+        <p:cNvPr id="1" name=""/>
+        <p:cNvGrpSpPr/>
+        <p:nvPr/>
+      </p:nvGrpSpPr>
+      <p:grpSpPr>
+        <a:xfrm>
+          <a:off x="0" y="0"/>
+          <a:ext cx="0" cy="0"/>
+          <a:chOff x="0" y="0"/>
+          <a:chExt cx="0" cy="0"/>
+        </a:xfrm>
+      </p:grpSpPr>
+      <p:sp>
+        <p:nvSpPr>
+          <p:cNvPr id="2" name="标题 1">
+            <a:extLst>
+              <a:ext uri="{FF2B5EF4-FFF2-40B4-BE49-F238E27FC236}">
+                <a16:creationId xmlns:a16="http://schemas.microsoft.com/office/drawing/2014/main" id="{4621580D-6480-A80D-AD26-847470B6683F}"/>
+              </a:ext>
+            </a:extLst>
+          </p:cNvPr>
+          <p:cNvSpPr>
+            <a:spLocks noGrp="1"/>
+          </p:cNvSpPr>
+          <p:nvPr>
+            <p:ph type="title"/>
+          </p:nvPr>
+        </p:nvSpPr>
+        <p:spPr/>
+        <p:txBody>
+          <a:bodyPr/>
+          <a:lstStyle/>
+          <a:p>
+            <a:endParaRPr lang="en-US"/>
+          </a:p>
+        </p:txBody>
+      </p:sp>
+      <p:sp>
+        <p:nvSpPr>
+          <p:cNvPr id="4" name="灯片编号占位符 3">
+            <a:extLst>
+              <a:ext uri="{FF2B5EF4-FFF2-40B4-BE49-F238E27FC236}">
+                <a16:creationId xmlns:a16="http://schemas.microsoft.com/office/drawing/2014/main" id="{8B31FEF7-4ADA-D2B3-7828-FC25DCD1AACF}"/>
+              </a:ext>
+            </a:extLst>
+          </p:cNvPr>
+          <p:cNvSpPr>
+            <a:spLocks noGrp="1"/>
+          </p:cNvSpPr>
+          <p:nvPr>
+            <p:ph type="sldNum" sz="quarter" idx="12"/>
+          </p:nvPr>
+        </p:nvSpPr>
+        <p:spPr/>
+        <p:txBody>
+          <a:bodyPr/>
+          <a:lstStyle/>
+          <a:p>
+            <a:pPr>
+              <a:defRPr/>
+            </a:pPr>
+            <a:fld id="{581DD3E0-5F7C-46B2-AE3F-E81668104769}" type="slidenum">
+              <a:rPr lang="en-US" altLang="zh-CN" smtClean="0"/>
+              <a:pPr>
+                <a:defRPr/>
+              </a:pPr>
+              <a:t>27</a:t>
             </a:fld>
             <a:endParaRPr lang="en-US" altLang="zh-CN"/>
           </a:p>
